--- a/DeJesusJaynnaMarie_GPA1-B.pptx
+++ b/DeJesusJaynnaMarie_GPA1-B.pptx
@@ -9,6 +9,7 @@
     <p:sldId id="257" r:id="rId3"/>
     <p:sldId id="258" r:id="rId4"/>
     <p:sldId id="261" r:id="rId5"/>
+    <p:sldId id="263" r:id="rId6"/>
   </p:sldIdLst>
   <p:sldSz cx="12192000" cy="6858000"/>
   <p:notesSz cx="6858000" cy="9144000"/>
@@ -107,6 +108,11 @@
       </a:defRPr>
     </a:lvl9pPr>
   </p:defaultTextStyle>
+  <p:extLst>
+    <p:ext uri="{EFAFB233-063F-42B5-8137-9DF3F51BA10A}">
+      <p15:sldGuideLst xmlns:p15="http://schemas.microsoft.com/office/powerpoint/2012/main"/>
+    </p:ext>
+  </p:extLst>
 </p:presentation>
 </file>
 
@@ -257,7 +263,7 @@
           <a:p>
             <a:fld id="{02C9EE82-51DC-40BA-A8FD-8C7AA1AFDE0C}" type="datetimeFigureOut">
               <a:rPr lang="en-US" smtClean="0"/>
-              <a:t>1/10/2025</a:t>
+              <a:t>4/11/2025</a:t>
             </a:fld>
             <a:endParaRPr lang="en-US"/>
           </a:p>
@@ -455,7 +461,7 @@
           <a:p>
             <a:fld id="{02C9EE82-51DC-40BA-A8FD-8C7AA1AFDE0C}" type="datetimeFigureOut">
               <a:rPr lang="en-US" smtClean="0"/>
-              <a:t>1/10/2025</a:t>
+              <a:t>4/11/2025</a:t>
             </a:fld>
             <a:endParaRPr lang="en-US"/>
           </a:p>
@@ -663,7 +669,7 @@
           <a:p>
             <a:fld id="{02C9EE82-51DC-40BA-A8FD-8C7AA1AFDE0C}" type="datetimeFigureOut">
               <a:rPr lang="en-US" smtClean="0"/>
-              <a:t>1/10/2025</a:t>
+              <a:t>4/11/2025</a:t>
             </a:fld>
             <a:endParaRPr lang="en-US"/>
           </a:p>
@@ -861,7 +867,7 @@
           <a:p>
             <a:fld id="{02C9EE82-51DC-40BA-A8FD-8C7AA1AFDE0C}" type="datetimeFigureOut">
               <a:rPr lang="en-US" smtClean="0"/>
-              <a:t>1/10/2025</a:t>
+              <a:t>4/11/2025</a:t>
             </a:fld>
             <a:endParaRPr lang="en-US"/>
           </a:p>
@@ -1136,7 +1142,7 @@
           <a:p>
             <a:fld id="{02C9EE82-51DC-40BA-A8FD-8C7AA1AFDE0C}" type="datetimeFigureOut">
               <a:rPr lang="en-US" smtClean="0"/>
-              <a:t>1/10/2025</a:t>
+              <a:t>4/11/2025</a:t>
             </a:fld>
             <a:endParaRPr lang="en-US"/>
           </a:p>
@@ -1401,7 +1407,7 @@
           <a:p>
             <a:fld id="{02C9EE82-51DC-40BA-A8FD-8C7AA1AFDE0C}" type="datetimeFigureOut">
               <a:rPr lang="en-US" smtClean="0"/>
-              <a:t>1/10/2025</a:t>
+              <a:t>4/11/2025</a:t>
             </a:fld>
             <a:endParaRPr lang="en-US"/>
           </a:p>
@@ -1813,7 +1819,7 @@
           <a:p>
             <a:fld id="{02C9EE82-51DC-40BA-A8FD-8C7AA1AFDE0C}" type="datetimeFigureOut">
               <a:rPr lang="en-US" smtClean="0"/>
-              <a:t>1/10/2025</a:t>
+              <a:t>4/11/2025</a:t>
             </a:fld>
             <a:endParaRPr lang="en-US"/>
           </a:p>
@@ -1954,7 +1960,7 @@
           <a:p>
             <a:fld id="{02C9EE82-51DC-40BA-A8FD-8C7AA1AFDE0C}" type="datetimeFigureOut">
               <a:rPr lang="en-US" smtClean="0"/>
-              <a:t>1/10/2025</a:t>
+              <a:t>4/11/2025</a:t>
             </a:fld>
             <a:endParaRPr lang="en-US"/>
           </a:p>
@@ -2067,7 +2073,7 @@
           <a:p>
             <a:fld id="{02C9EE82-51DC-40BA-A8FD-8C7AA1AFDE0C}" type="datetimeFigureOut">
               <a:rPr lang="en-US" smtClean="0"/>
-              <a:t>1/10/2025</a:t>
+              <a:t>4/11/2025</a:t>
             </a:fld>
             <a:endParaRPr lang="en-US"/>
           </a:p>
@@ -2378,7 +2384,7 @@
           <a:p>
             <a:fld id="{02C9EE82-51DC-40BA-A8FD-8C7AA1AFDE0C}" type="datetimeFigureOut">
               <a:rPr lang="en-US" smtClean="0"/>
-              <a:t>1/10/2025</a:t>
+              <a:t>4/11/2025</a:t>
             </a:fld>
             <a:endParaRPr lang="en-US"/>
           </a:p>
@@ -2666,7 +2672,7 @@
           <a:p>
             <a:fld id="{02C9EE82-51DC-40BA-A8FD-8C7AA1AFDE0C}" type="datetimeFigureOut">
               <a:rPr lang="en-US" smtClean="0"/>
-              <a:t>1/10/2025</a:t>
+              <a:t>4/11/2025</a:t>
             </a:fld>
             <a:endParaRPr lang="en-US"/>
           </a:p>
@@ -2907,7 +2913,7 @@
           <a:p>
             <a:fld id="{02C9EE82-51DC-40BA-A8FD-8C7AA1AFDE0C}" type="datetimeFigureOut">
               <a:rPr lang="en-US" smtClean="0"/>
-              <a:t>1/10/2025</a:t>
+              <a:t>4/11/2025</a:t>
             </a:fld>
             <a:endParaRPr lang="en-US"/>
           </a:p>
@@ -3478,18 +3484,18 @@
           <a:p>
             <a:pPr algn="l"/>
             <a:r>
-              <a:rPr lang="en-US" sz="4400">
+              <a:rPr lang="en-US" sz="4400" dirty="0">
                 <a:solidFill>
                   <a:srgbClr val="FFFFFF"/>
                 </a:solidFill>
               </a:rPr>
-              <a:t>Date : 1/10/2025</a:t>
+              <a:t>Date : 4/11/2025</a:t>
             </a:r>
           </a:p>
           <a:p>
             <a:pPr algn="l"/>
             <a:r>
-              <a:rPr lang="en-US" sz="4400">
+              <a:rPr lang="en-US" sz="4400" dirty="0">
                 <a:solidFill>
                   <a:srgbClr val="FFFFFF"/>
                 </a:solidFill>
@@ -3747,6 +3753,2410 @@
   <p:clrMapOvr>
     <a:masterClrMapping/>
   </p:clrMapOvr>
+</p:sld>
+</file>
+
+<file path=ppt/slides/slide5.xml><?xml version="1.0" encoding="utf-8"?>
+<p:sld xmlns:a="http://schemas.openxmlformats.org/drawingml/2006/main" xmlns:r="http://schemas.openxmlformats.org/officeDocument/2006/relationships" xmlns:p="http://schemas.openxmlformats.org/presentationml/2006/main">
+  <p:cSld>
+    <p:bg>
+      <p:bgPr>
+        <a:solidFill>
+          <a:schemeClr val="bg1"/>
+        </a:solidFill>
+        <a:effectLst/>
+      </p:bgPr>
+    </p:bg>
+    <p:spTree>
+      <p:nvGrpSpPr>
+        <p:cNvPr id="1" name=""/>
+        <p:cNvGrpSpPr/>
+        <p:nvPr/>
+      </p:nvGrpSpPr>
+      <p:grpSpPr>
+        <a:xfrm>
+          <a:off x="0" y="0"/>
+          <a:ext cx="0" cy="0"/>
+          <a:chOff x="0" y="0"/>
+          <a:chExt cx="0" cy="0"/>
+        </a:xfrm>
+      </p:grpSpPr>
+      <p:sp>
+        <p:nvSpPr>
+          <p:cNvPr id="8" name="Rectangle 7">
+            <a:extLst>
+              <a:ext uri="{FF2B5EF4-FFF2-40B4-BE49-F238E27FC236}">
+                <a16:creationId xmlns:a16="http://schemas.microsoft.com/office/drawing/2014/main" id="{489B7BFD-8F45-4093-AD9C-91B15B0503D9}"/>
+              </a:ext>
+              <a:ext uri="{C183D7F6-B498-43B3-948B-1728B52AA6E4}">
+                <adec:decorative xmlns:adec="http://schemas.microsoft.com/office/drawing/2017/decorative" val="1"/>
+              </a:ext>
+            </a:extLst>
+          </p:cNvPr>
+          <p:cNvSpPr>
+            <a:spLocks noGrp="1" noRot="1" noChangeAspect="1" noMove="1" noResize="1" noEditPoints="1" noAdjustHandles="1" noChangeArrowheads="1" noChangeShapeType="1" noTextEdit="1"/>
+          </p:cNvSpPr>
+          <p:nvPr>
+            <p:extLst>
+              <p:ext uri="{386F3935-93C4-4BCD-93E2-E3B085C9AB24}">
+                <p16:designElem xmlns:p16="http://schemas.microsoft.com/office/powerpoint/2015/main" val="1"/>
+              </p:ext>
+            </p:extLst>
+          </p:nvPr>
+        </p:nvSpPr>
+        <p:spPr>
+          <a:xfrm>
+            <a:off x="0" y="0"/>
+            <a:ext cx="12192000" cy="6858000"/>
+          </a:xfrm>
+          <a:prstGeom prst="rect">
+            <a:avLst/>
+          </a:prstGeom>
+          <a:solidFill>
+            <a:schemeClr val="tx1"/>
+          </a:solidFill>
+          <a:ln>
+            <a:noFill/>
+          </a:ln>
+        </p:spPr>
+        <p:style>
+          <a:lnRef idx="2">
+            <a:schemeClr val="accent1">
+              <a:shade val="50000"/>
+            </a:schemeClr>
+          </a:lnRef>
+          <a:fillRef idx="1">
+            <a:schemeClr val="accent1"/>
+          </a:fillRef>
+          <a:effectRef idx="0">
+            <a:schemeClr val="accent1"/>
+          </a:effectRef>
+          <a:fontRef idx="minor">
+            <a:schemeClr val="lt1"/>
+          </a:fontRef>
+        </p:style>
+        <p:txBody>
+          <a:bodyPr rtlCol="0" anchor="ctr"/>
+          <a:lstStyle/>
+          <a:p>
+            <a:pPr algn="ctr"/>
+            <a:endParaRPr lang="en-US" dirty="0"/>
+          </a:p>
+        </p:txBody>
+      </p:sp>
+      <p:grpSp>
+        <p:nvGrpSpPr>
+          <p:cNvPr id="10" name="Group 9">
+            <a:extLst>
+              <a:ext uri="{FF2B5EF4-FFF2-40B4-BE49-F238E27FC236}">
+                <a16:creationId xmlns:a16="http://schemas.microsoft.com/office/drawing/2014/main" id="{042BC7E5-76DB-4826-8C07-4A49B6353F76}"/>
+              </a:ext>
+              <a:ext uri="{C183D7F6-B498-43B3-948B-1728B52AA6E4}">
+                <adec:decorative xmlns:adec="http://schemas.microsoft.com/office/drawing/2017/decorative" val="1"/>
+              </a:ext>
+            </a:extLst>
+          </p:cNvPr>
+          <p:cNvGrpSpPr>
+            <a:grpSpLocks noGrp="1" noUngrp="1" noRot="1" noChangeAspect="1" noMove="1" noResize="1"/>
+          </p:cNvGrpSpPr>
+          <p:nvPr>
+            <p:extLst>
+              <p:ext uri="{386F3935-93C4-4BCD-93E2-E3B085C9AB24}">
+                <p16:designElem xmlns:p16="http://schemas.microsoft.com/office/powerpoint/2015/main" val="1"/>
+              </p:ext>
+            </p:extLst>
+          </p:nvPr>
+        </p:nvGrpSpPr>
+        <p:grpSpPr>
+          <a:xfrm>
+            <a:off x="0" y="1479558"/>
+            <a:ext cx="1861854" cy="717514"/>
+            <a:chOff x="0" y="1479558"/>
+            <a:chExt cx="1861854" cy="717514"/>
+          </a:xfrm>
+          <a:solidFill>
+            <a:schemeClr val="bg1"/>
+          </a:solidFill>
+        </p:grpSpPr>
+        <p:sp>
+          <p:nvSpPr>
+            <p:cNvPr id="11" name="Freeform: Shape 10">
+              <a:extLst>
+                <a:ext uri="{FF2B5EF4-FFF2-40B4-BE49-F238E27FC236}">
+                  <a16:creationId xmlns:a16="http://schemas.microsoft.com/office/drawing/2014/main" id="{E16C8D8F-10E9-4498-ABDB-0F923F8B6837}"/>
+                </a:ext>
+                <a:ext uri="{C183D7F6-B498-43B3-948B-1728B52AA6E4}">
+                  <adec:decorative xmlns:adec="http://schemas.microsoft.com/office/drawing/2017/decorative" val="1"/>
+                </a:ext>
+              </a:extLst>
+            </p:cNvPr>
+            <p:cNvSpPr/>
+            <p:nvPr>
+              <p:extLst>
+                <p:ext uri="{386F3935-93C4-4BCD-93E2-E3B085C9AB24}">
+                  <p16:designElem xmlns:p16="http://schemas.microsoft.com/office/powerpoint/2015/main" val="1"/>
+                </p:ext>
+              </p:extLst>
+            </p:nvPr>
+          </p:nvSpPr>
+          <p:spPr>
+            <a:xfrm>
+              <a:off x="0" y="1479558"/>
+              <a:ext cx="1861854" cy="277779"/>
+            </a:xfrm>
+            <a:custGeom>
+              <a:avLst/>
+              <a:gdLst>
+                <a:gd name="connsiteX0" fmla="*/ 180458 w 1861854"/>
+                <a:gd name="connsiteY0" fmla="*/ 0 h 277779"/>
+                <a:gd name="connsiteX1" fmla="*/ 419222 w 1861854"/>
+                <a:gd name="connsiteY1" fmla="*/ 238761 h 277779"/>
+                <a:gd name="connsiteX2" fmla="*/ 657984 w 1861854"/>
+                <a:gd name="connsiteY2" fmla="*/ 0 h 277779"/>
+                <a:gd name="connsiteX3" fmla="*/ 896745 w 1861854"/>
+                <a:gd name="connsiteY3" fmla="*/ 238761 h 277779"/>
+                <a:gd name="connsiteX4" fmla="*/ 1135754 w 1861854"/>
+                <a:gd name="connsiteY4" fmla="*/ 0 h 277779"/>
+                <a:gd name="connsiteX5" fmla="*/ 1374516 w 1861854"/>
+                <a:gd name="connsiteY5" fmla="*/ 238761 h 277779"/>
+                <a:gd name="connsiteX6" fmla="*/ 1613277 w 1861854"/>
+                <a:gd name="connsiteY6" fmla="*/ 0 h 277779"/>
+                <a:gd name="connsiteX7" fmla="*/ 1861854 w 1861854"/>
+                <a:gd name="connsiteY7" fmla="*/ 248577 h 277779"/>
+                <a:gd name="connsiteX8" fmla="*/ 1842470 w 1861854"/>
+                <a:gd name="connsiteY8" fmla="*/ 267963 h 277779"/>
+                <a:gd name="connsiteX9" fmla="*/ 1613277 w 1861854"/>
+                <a:gd name="connsiteY9" fmla="*/ 39017 h 277779"/>
+                <a:gd name="connsiteX10" fmla="*/ 1374516 w 1861854"/>
+                <a:gd name="connsiteY10" fmla="*/ 277779 h 277779"/>
+                <a:gd name="connsiteX11" fmla="*/ 1135754 w 1861854"/>
+                <a:gd name="connsiteY11" fmla="*/ 39017 h 277779"/>
+                <a:gd name="connsiteX12" fmla="*/ 896745 w 1861854"/>
+                <a:gd name="connsiteY12" fmla="*/ 277779 h 277779"/>
+                <a:gd name="connsiteX13" fmla="*/ 657984 w 1861854"/>
+                <a:gd name="connsiteY13" fmla="*/ 39017 h 277779"/>
+                <a:gd name="connsiteX14" fmla="*/ 419222 w 1861854"/>
+                <a:gd name="connsiteY14" fmla="*/ 277779 h 277779"/>
+                <a:gd name="connsiteX15" fmla="*/ 180458 w 1861854"/>
+                <a:gd name="connsiteY15" fmla="*/ 39017 h 277779"/>
+                <a:gd name="connsiteX16" fmla="*/ 0 w 1861854"/>
+                <a:gd name="connsiteY16" fmla="*/ 219283 h 277779"/>
+                <a:gd name="connsiteX17" fmla="*/ 0 w 1861854"/>
+                <a:gd name="connsiteY17" fmla="*/ 180458 h 277779"/>
+              </a:gdLst>
+              <a:ahLst/>
+              <a:cxnLst>
+                <a:cxn ang="0">
+                  <a:pos x="connsiteX0" y="connsiteY0"/>
+                </a:cxn>
+                <a:cxn ang="0">
+                  <a:pos x="connsiteX1" y="connsiteY1"/>
+                </a:cxn>
+                <a:cxn ang="0">
+                  <a:pos x="connsiteX2" y="connsiteY2"/>
+                </a:cxn>
+                <a:cxn ang="0">
+                  <a:pos x="connsiteX3" y="connsiteY3"/>
+                </a:cxn>
+                <a:cxn ang="0">
+                  <a:pos x="connsiteX4" y="connsiteY4"/>
+                </a:cxn>
+                <a:cxn ang="0">
+                  <a:pos x="connsiteX5" y="connsiteY5"/>
+                </a:cxn>
+                <a:cxn ang="0">
+                  <a:pos x="connsiteX6" y="connsiteY6"/>
+                </a:cxn>
+                <a:cxn ang="0">
+                  <a:pos x="connsiteX7" y="connsiteY7"/>
+                </a:cxn>
+                <a:cxn ang="0">
+                  <a:pos x="connsiteX8" y="connsiteY8"/>
+                </a:cxn>
+                <a:cxn ang="0">
+                  <a:pos x="connsiteX9" y="connsiteY9"/>
+                </a:cxn>
+                <a:cxn ang="0">
+                  <a:pos x="connsiteX10" y="connsiteY10"/>
+                </a:cxn>
+                <a:cxn ang="0">
+                  <a:pos x="connsiteX11" y="connsiteY11"/>
+                </a:cxn>
+                <a:cxn ang="0">
+                  <a:pos x="connsiteX12" y="connsiteY12"/>
+                </a:cxn>
+                <a:cxn ang="0">
+                  <a:pos x="connsiteX13" y="connsiteY13"/>
+                </a:cxn>
+                <a:cxn ang="0">
+                  <a:pos x="connsiteX14" y="connsiteY14"/>
+                </a:cxn>
+                <a:cxn ang="0">
+                  <a:pos x="connsiteX15" y="connsiteY15"/>
+                </a:cxn>
+                <a:cxn ang="0">
+                  <a:pos x="connsiteX16" y="connsiteY16"/>
+                </a:cxn>
+                <a:cxn ang="0">
+                  <a:pos x="connsiteX17" y="connsiteY17"/>
+                </a:cxn>
+              </a:cxnLst>
+              <a:rect l="l" t="t" r="r" b="b"/>
+              <a:pathLst>
+                <a:path w="1861854" h="277779">
+                  <a:moveTo>
+                    <a:pt x="180458" y="0"/>
+                  </a:moveTo>
+                  <a:lnTo>
+                    <a:pt x="419222" y="238761"/>
+                  </a:lnTo>
+                  <a:lnTo>
+                    <a:pt x="657984" y="0"/>
+                  </a:lnTo>
+                  <a:lnTo>
+                    <a:pt x="896745" y="238761"/>
+                  </a:lnTo>
+                  <a:lnTo>
+                    <a:pt x="1135754" y="0"/>
+                  </a:lnTo>
+                  <a:lnTo>
+                    <a:pt x="1374516" y="238761"/>
+                  </a:lnTo>
+                  <a:lnTo>
+                    <a:pt x="1613277" y="0"/>
+                  </a:lnTo>
+                  <a:lnTo>
+                    <a:pt x="1861854" y="248577"/>
+                  </a:lnTo>
+                  <a:lnTo>
+                    <a:pt x="1842470" y="267963"/>
+                  </a:lnTo>
+                  <a:lnTo>
+                    <a:pt x="1613277" y="39017"/>
+                  </a:lnTo>
+                  <a:lnTo>
+                    <a:pt x="1374516" y="277779"/>
+                  </a:lnTo>
+                  <a:lnTo>
+                    <a:pt x="1135754" y="39017"/>
+                  </a:lnTo>
+                  <a:lnTo>
+                    <a:pt x="896745" y="277779"/>
+                  </a:lnTo>
+                  <a:lnTo>
+                    <a:pt x="657984" y="39017"/>
+                  </a:lnTo>
+                  <a:lnTo>
+                    <a:pt x="419222" y="277779"/>
+                  </a:lnTo>
+                  <a:lnTo>
+                    <a:pt x="180458" y="39017"/>
+                  </a:lnTo>
+                  <a:lnTo>
+                    <a:pt x="0" y="219283"/>
+                  </a:lnTo>
+                  <a:lnTo>
+                    <a:pt x="0" y="180458"/>
+                  </a:lnTo>
+                  <a:close/>
+                </a:path>
+              </a:pathLst>
+            </a:custGeom>
+            <a:grpFill/>
+            <a:ln w="9525" cap="flat">
+              <a:noFill/>
+              <a:prstDash val="solid"/>
+              <a:miter/>
+            </a:ln>
+          </p:spPr>
+          <p:txBody>
+            <a:bodyPr wrap="square" rtlCol="0" anchor="ctr">
+              <a:noAutofit/>
+            </a:bodyPr>
+            <a:lstStyle/>
+            <a:p>
+              <a:endParaRPr lang="en-US"/>
+            </a:p>
+          </p:txBody>
+        </p:sp>
+        <p:sp>
+          <p:nvSpPr>
+            <p:cNvPr id="12" name="Freeform: Shape 11">
+              <a:extLst>
+                <a:ext uri="{FF2B5EF4-FFF2-40B4-BE49-F238E27FC236}">
+                  <a16:creationId xmlns:a16="http://schemas.microsoft.com/office/drawing/2014/main" id="{1E5A83E3-8A11-4492-BB6E-F5F2240316FB}"/>
+                </a:ext>
+                <a:ext uri="{C183D7F6-B498-43B3-948B-1728B52AA6E4}">
+                  <adec:decorative xmlns:adec="http://schemas.microsoft.com/office/drawing/2017/decorative" val="1"/>
+                </a:ext>
+              </a:extLst>
+            </p:cNvPr>
+            <p:cNvSpPr/>
+            <p:nvPr>
+              <p:extLst>
+                <p:ext uri="{386F3935-93C4-4BCD-93E2-E3B085C9AB24}">
+                  <p16:designElem xmlns:p16="http://schemas.microsoft.com/office/powerpoint/2015/main" val="1"/>
+                </p:ext>
+              </p:extLst>
+            </p:nvPr>
+          </p:nvSpPr>
+          <p:spPr>
+            <a:xfrm>
+              <a:off x="0" y="1919293"/>
+              <a:ext cx="1861854" cy="277779"/>
+            </a:xfrm>
+            <a:custGeom>
+              <a:avLst/>
+              <a:gdLst>
+                <a:gd name="connsiteX0" fmla="*/ 180458 w 1861854"/>
+                <a:gd name="connsiteY0" fmla="*/ 0 h 277779"/>
+                <a:gd name="connsiteX1" fmla="*/ 419222 w 1861854"/>
+                <a:gd name="connsiteY1" fmla="*/ 238761 h 277779"/>
+                <a:gd name="connsiteX2" fmla="*/ 657984 w 1861854"/>
+                <a:gd name="connsiteY2" fmla="*/ 0 h 277779"/>
+                <a:gd name="connsiteX3" fmla="*/ 896745 w 1861854"/>
+                <a:gd name="connsiteY3" fmla="*/ 238761 h 277779"/>
+                <a:gd name="connsiteX4" fmla="*/ 1135754 w 1861854"/>
+                <a:gd name="connsiteY4" fmla="*/ 0 h 277779"/>
+                <a:gd name="connsiteX5" fmla="*/ 1374516 w 1861854"/>
+                <a:gd name="connsiteY5" fmla="*/ 238761 h 277779"/>
+                <a:gd name="connsiteX6" fmla="*/ 1613277 w 1861854"/>
+                <a:gd name="connsiteY6" fmla="*/ 0 h 277779"/>
+                <a:gd name="connsiteX7" fmla="*/ 1861854 w 1861854"/>
+                <a:gd name="connsiteY7" fmla="*/ 248577 h 277779"/>
+                <a:gd name="connsiteX8" fmla="*/ 1842470 w 1861854"/>
+                <a:gd name="connsiteY8" fmla="*/ 268208 h 277779"/>
+                <a:gd name="connsiteX9" fmla="*/ 1613277 w 1861854"/>
+                <a:gd name="connsiteY9" fmla="*/ 39017 h 277779"/>
+                <a:gd name="connsiteX10" fmla="*/ 1374516 w 1861854"/>
+                <a:gd name="connsiteY10" fmla="*/ 277779 h 277779"/>
+                <a:gd name="connsiteX11" fmla="*/ 1135754 w 1861854"/>
+                <a:gd name="connsiteY11" fmla="*/ 39017 h 277779"/>
+                <a:gd name="connsiteX12" fmla="*/ 896745 w 1861854"/>
+                <a:gd name="connsiteY12" fmla="*/ 277779 h 277779"/>
+                <a:gd name="connsiteX13" fmla="*/ 657984 w 1861854"/>
+                <a:gd name="connsiteY13" fmla="*/ 39017 h 277779"/>
+                <a:gd name="connsiteX14" fmla="*/ 419222 w 1861854"/>
+                <a:gd name="connsiteY14" fmla="*/ 277779 h 277779"/>
+                <a:gd name="connsiteX15" fmla="*/ 180458 w 1861854"/>
+                <a:gd name="connsiteY15" fmla="*/ 39017 h 277779"/>
+                <a:gd name="connsiteX16" fmla="*/ 0 w 1861854"/>
+                <a:gd name="connsiteY16" fmla="*/ 219475 h 277779"/>
+                <a:gd name="connsiteX17" fmla="*/ 0 w 1861854"/>
+                <a:gd name="connsiteY17" fmla="*/ 180458 h 277779"/>
+              </a:gdLst>
+              <a:ahLst/>
+              <a:cxnLst>
+                <a:cxn ang="0">
+                  <a:pos x="connsiteX0" y="connsiteY0"/>
+                </a:cxn>
+                <a:cxn ang="0">
+                  <a:pos x="connsiteX1" y="connsiteY1"/>
+                </a:cxn>
+                <a:cxn ang="0">
+                  <a:pos x="connsiteX2" y="connsiteY2"/>
+                </a:cxn>
+                <a:cxn ang="0">
+                  <a:pos x="connsiteX3" y="connsiteY3"/>
+                </a:cxn>
+                <a:cxn ang="0">
+                  <a:pos x="connsiteX4" y="connsiteY4"/>
+                </a:cxn>
+                <a:cxn ang="0">
+                  <a:pos x="connsiteX5" y="connsiteY5"/>
+                </a:cxn>
+                <a:cxn ang="0">
+                  <a:pos x="connsiteX6" y="connsiteY6"/>
+                </a:cxn>
+                <a:cxn ang="0">
+                  <a:pos x="connsiteX7" y="connsiteY7"/>
+                </a:cxn>
+                <a:cxn ang="0">
+                  <a:pos x="connsiteX8" y="connsiteY8"/>
+                </a:cxn>
+                <a:cxn ang="0">
+                  <a:pos x="connsiteX9" y="connsiteY9"/>
+                </a:cxn>
+                <a:cxn ang="0">
+                  <a:pos x="connsiteX10" y="connsiteY10"/>
+                </a:cxn>
+                <a:cxn ang="0">
+                  <a:pos x="connsiteX11" y="connsiteY11"/>
+                </a:cxn>
+                <a:cxn ang="0">
+                  <a:pos x="connsiteX12" y="connsiteY12"/>
+                </a:cxn>
+                <a:cxn ang="0">
+                  <a:pos x="connsiteX13" y="connsiteY13"/>
+                </a:cxn>
+                <a:cxn ang="0">
+                  <a:pos x="connsiteX14" y="connsiteY14"/>
+                </a:cxn>
+                <a:cxn ang="0">
+                  <a:pos x="connsiteX15" y="connsiteY15"/>
+                </a:cxn>
+                <a:cxn ang="0">
+                  <a:pos x="connsiteX16" y="connsiteY16"/>
+                </a:cxn>
+                <a:cxn ang="0">
+                  <a:pos x="connsiteX17" y="connsiteY17"/>
+                </a:cxn>
+              </a:cxnLst>
+              <a:rect l="l" t="t" r="r" b="b"/>
+              <a:pathLst>
+                <a:path w="1861854" h="277779">
+                  <a:moveTo>
+                    <a:pt x="180458" y="0"/>
+                  </a:moveTo>
+                  <a:lnTo>
+                    <a:pt x="419222" y="238761"/>
+                  </a:lnTo>
+                  <a:lnTo>
+                    <a:pt x="657984" y="0"/>
+                  </a:lnTo>
+                  <a:lnTo>
+                    <a:pt x="896745" y="238761"/>
+                  </a:lnTo>
+                  <a:lnTo>
+                    <a:pt x="1135754" y="0"/>
+                  </a:lnTo>
+                  <a:lnTo>
+                    <a:pt x="1374516" y="238761"/>
+                  </a:lnTo>
+                  <a:lnTo>
+                    <a:pt x="1613277" y="0"/>
+                  </a:lnTo>
+                  <a:lnTo>
+                    <a:pt x="1861854" y="248577"/>
+                  </a:lnTo>
+                  <a:lnTo>
+                    <a:pt x="1842470" y="268208"/>
+                  </a:lnTo>
+                  <a:lnTo>
+                    <a:pt x="1613277" y="39017"/>
+                  </a:lnTo>
+                  <a:lnTo>
+                    <a:pt x="1374516" y="277779"/>
+                  </a:lnTo>
+                  <a:lnTo>
+                    <a:pt x="1135754" y="39017"/>
+                  </a:lnTo>
+                  <a:lnTo>
+                    <a:pt x="896745" y="277779"/>
+                  </a:lnTo>
+                  <a:lnTo>
+                    <a:pt x="657984" y="39017"/>
+                  </a:lnTo>
+                  <a:lnTo>
+                    <a:pt x="419222" y="277779"/>
+                  </a:lnTo>
+                  <a:lnTo>
+                    <a:pt x="180458" y="39017"/>
+                  </a:lnTo>
+                  <a:lnTo>
+                    <a:pt x="0" y="219475"/>
+                  </a:lnTo>
+                  <a:lnTo>
+                    <a:pt x="0" y="180458"/>
+                  </a:lnTo>
+                  <a:close/>
+                </a:path>
+              </a:pathLst>
+            </a:custGeom>
+            <a:grpFill/>
+            <a:ln w="9525" cap="flat">
+              <a:noFill/>
+              <a:prstDash val="solid"/>
+              <a:miter/>
+            </a:ln>
+          </p:spPr>
+          <p:txBody>
+            <a:bodyPr wrap="square" rtlCol="0" anchor="ctr">
+              <a:noAutofit/>
+            </a:bodyPr>
+            <a:lstStyle/>
+            <a:p>
+              <a:endParaRPr lang="en-US"/>
+            </a:p>
+          </p:txBody>
+        </p:sp>
+      </p:grpSp>
+      <p:sp>
+        <p:nvSpPr>
+          <p:cNvPr id="14" name="Freeform: Shape 13">
+            <a:extLst>
+              <a:ext uri="{FF2B5EF4-FFF2-40B4-BE49-F238E27FC236}">
+                <a16:creationId xmlns:a16="http://schemas.microsoft.com/office/drawing/2014/main" id="{498F8FF6-43B4-494A-AF8F-123A4983EDF7}"/>
+              </a:ext>
+              <a:ext uri="{C183D7F6-B498-43B3-948B-1728B52AA6E4}">
+                <adec:decorative xmlns:adec="http://schemas.microsoft.com/office/drawing/2017/decorative" val="1"/>
+              </a:ext>
+            </a:extLst>
+          </p:cNvPr>
+          <p:cNvSpPr>
+            <a:spLocks noGrp="1" noRot="1" noChangeAspect="1" noMove="1" noResize="1" noEditPoints="1" noAdjustHandles="1" noChangeArrowheads="1" noChangeShapeType="1" noTextEdit="1"/>
+          </p:cNvSpPr>
+          <p:nvPr>
+            <p:extLst>
+              <p:ext uri="{386F3935-93C4-4BCD-93E2-E3B085C9AB24}">
+                <p16:designElem xmlns:p16="http://schemas.microsoft.com/office/powerpoint/2015/main" val="1"/>
+              </p:ext>
+            </p:extLst>
+          </p:nvPr>
+        </p:nvSpPr>
+        <p:spPr>
+          <a:xfrm>
+            <a:off x="2018992" y="-34538"/>
+            <a:ext cx="6655405" cy="6335470"/>
+          </a:xfrm>
+          <a:custGeom>
+            <a:avLst/>
+            <a:gdLst>
+              <a:gd name="connsiteX0" fmla="*/ 1825048 w 6355652"/>
+              <a:gd name="connsiteY0" fmla="*/ 0 h 6050127"/>
+              <a:gd name="connsiteX1" fmla="*/ 4530604 w 6355652"/>
+              <a:gd name="connsiteY1" fmla="*/ 0 h 6050127"/>
+              <a:gd name="connsiteX2" fmla="*/ 4692567 w 6355652"/>
+              <a:gd name="connsiteY2" fmla="*/ 78022 h 6050127"/>
+              <a:gd name="connsiteX3" fmla="*/ 6355652 w 6355652"/>
+              <a:gd name="connsiteY3" fmla="*/ 2872301 h 6050127"/>
+              <a:gd name="connsiteX4" fmla="*/ 3177826 w 6355652"/>
+              <a:gd name="connsiteY4" fmla="*/ 6050127 h 6050127"/>
+              <a:gd name="connsiteX5" fmla="*/ 0 w 6355652"/>
+              <a:gd name="connsiteY5" fmla="*/ 2872301 h 6050127"/>
+              <a:gd name="connsiteX6" fmla="*/ 1663086 w 6355652"/>
+              <a:gd name="connsiteY6" fmla="*/ 78022 h 6050127"/>
+            </a:gdLst>
+            <a:ahLst/>
+            <a:cxnLst>
+              <a:cxn ang="0">
+                <a:pos x="connsiteX0" y="connsiteY0"/>
+              </a:cxn>
+              <a:cxn ang="0">
+                <a:pos x="connsiteX1" y="connsiteY1"/>
+              </a:cxn>
+              <a:cxn ang="0">
+                <a:pos x="connsiteX2" y="connsiteY2"/>
+              </a:cxn>
+              <a:cxn ang="0">
+                <a:pos x="connsiteX3" y="connsiteY3"/>
+              </a:cxn>
+              <a:cxn ang="0">
+                <a:pos x="connsiteX4" y="connsiteY4"/>
+              </a:cxn>
+              <a:cxn ang="0">
+                <a:pos x="connsiteX5" y="connsiteY5"/>
+              </a:cxn>
+              <a:cxn ang="0">
+                <a:pos x="connsiteX6" y="connsiteY6"/>
+              </a:cxn>
+            </a:cxnLst>
+            <a:rect l="l" t="t" r="r" b="b"/>
+            <a:pathLst>
+              <a:path w="6355652" h="6050127">
+                <a:moveTo>
+                  <a:pt x="1825048" y="0"/>
+                </a:moveTo>
+                <a:lnTo>
+                  <a:pt x="4530604" y="0"/>
+                </a:lnTo>
+                <a:lnTo>
+                  <a:pt x="4692567" y="78022"/>
+                </a:lnTo>
+                <a:cubicBezTo>
+                  <a:pt x="5683175" y="616152"/>
+                  <a:pt x="6355652" y="1665694"/>
+                  <a:pt x="6355652" y="2872301"/>
+                </a:cubicBezTo>
+                <a:cubicBezTo>
+                  <a:pt x="6355652" y="4627366"/>
+                  <a:pt x="4932891" y="6050127"/>
+                  <a:pt x="3177826" y="6050127"/>
+                </a:cubicBezTo>
+                <a:cubicBezTo>
+                  <a:pt x="1422761" y="6050127"/>
+                  <a:pt x="0" y="4627366"/>
+                  <a:pt x="0" y="2872301"/>
+                </a:cubicBezTo>
+                <a:cubicBezTo>
+                  <a:pt x="0" y="1665694"/>
+                  <a:pt x="672477" y="616152"/>
+                  <a:pt x="1663086" y="78022"/>
+                </a:cubicBezTo>
+                <a:close/>
+              </a:path>
+            </a:pathLst>
+          </a:custGeom>
+          <a:solidFill>
+            <a:srgbClr val="FFFFFF"/>
+          </a:solidFill>
+          <a:ln w="28575">
+            <a:noFill/>
+          </a:ln>
+        </p:spPr>
+        <p:style>
+          <a:lnRef idx="2">
+            <a:schemeClr val="accent1">
+              <a:shade val="50000"/>
+            </a:schemeClr>
+          </a:lnRef>
+          <a:fillRef idx="1">
+            <a:schemeClr val="accent1"/>
+          </a:fillRef>
+          <a:effectRef idx="0">
+            <a:schemeClr val="accent1"/>
+          </a:effectRef>
+          <a:fontRef idx="minor">
+            <a:schemeClr val="lt1"/>
+          </a:fontRef>
+        </p:style>
+        <p:txBody>
+          <a:bodyPr rtlCol="0" anchor="ctr"/>
+          <a:lstStyle/>
+          <a:p>
+            <a:pPr algn="ctr"/>
+            <a:endParaRPr lang="en-US"/>
+          </a:p>
+        </p:txBody>
+      </p:sp>
+      <p:sp>
+        <p:nvSpPr>
+          <p:cNvPr id="16" name="Freeform: Shape 15">
+            <a:extLst>
+              <a:ext uri="{FF2B5EF4-FFF2-40B4-BE49-F238E27FC236}">
+                <a16:creationId xmlns:a16="http://schemas.microsoft.com/office/drawing/2014/main" id="{2B06059C-C357-4011-82B9-9C0106301384}"/>
+              </a:ext>
+              <a:ext uri="{C183D7F6-B498-43B3-948B-1728B52AA6E4}">
+                <adec:decorative xmlns:adec="http://schemas.microsoft.com/office/drawing/2017/decorative" val="1"/>
+              </a:ext>
+            </a:extLst>
+          </p:cNvPr>
+          <p:cNvSpPr>
+            <a:spLocks noGrp="1" noRot="1" noChangeAspect="1" noMove="1" noResize="1" noEditPoints="1" noAdjustHandles="1" noChangeArrowheads="1" noChangeShapeType="1" noTextEdit="1"/>
+          </p:cNvSpPr>
+          <p:nvPr>
+            <p:extLst>
+              <p:ext uri="{386F3935-93C4-4BCD-93E2-E3B085C9AB24}">
+                <p16:designElem xmlns:p16="http://schemas.microsoft.com/office/powerpoint/2015/main" val="1"/>
+              </p:ext>
+            </p:extLst>
+          </p:nvPr>
+        </p:nvSpPr>
+        <p:spPr>
+          <a:xfrm>
+            <a:off x="1955194" y="-23905"/>
+            <a:ext cx="6705251" cy="6318526"/>
+          </a:xfrm>
+          <a:custGeom>
+            <a:avLst/>
+            <a:gdLst>
+              <a:gd name="connsiteX0" fmla="*/ 1825048 w 6355652"/>
+              <a:gd name="connsiteY0" fmla="*/ 0 h 6050127"/>
+              <a:gd name="connsiteX1" fmla="*/ 4530604 w 6355652"/>
+              <a:gd name="connsiteY1" fmla="*/ 0 h 6050127"/>
+              <a:gd name="connsiteX2" fmla="*/ 4692567 w 6355652"/>
+              <a:gd name="connsiteY2" fmla="*/ 78022 h 6050127"/>
+              <a:gd name="connsiteX3" fmla="*/ 6355652 w 6355652"/>
+              <a:gd name="connsiteY3" fmla="*/ 2872301 h 6050127"/>
+              <a:gd name="connsiteX4" fmla="*/ 3177826 w 6355652"/>
+              <a:gd name="connsiteY4" fmla="*/ 6050127 h 6050127"/>
+              <a:gd name="connsiteX5" fmla="*/ 0 w 6355652"/>
+              <a:gd name="connsiteY5" fmla="*/ 2872301 h 6050127"/>
+              <a:gd name="connsiteX6" fmla="*/ 1663086 w 6355652"/>
+              <a:gd name="connsiteY6" fmla="*/ 78022 h 6050127"/>
+            </a:gdLst>
+            <a:ahLst/>
+            <a:cxnLst>
+              <a:cxn ang="0">
+                <a:pos x="connsiteX0" y="connsiteY0"/>
+              </a:cxn>
+              <a:cxn ang="0">
+                <a:pos x="connsiteX1" y="connsiteY1"/>
+              </a:cxn>
+              <a:cxn ang="0">
+                <a:pos x="connsiteX2" y="connsiteY2"/>
+              </a:cxn>
+              <a:cxn ang="0">
+                <a:pos x="connsiteX3" y="connsiteY3"/>
+              </a:cxn>
+              <a:cxn ang="0">
+                <a:pos x="connsiteX4" y="connsiteY4"/>
+              </a:cxn>
+              <a:cxn ang="0">
+                <a:pos x="connsiteX5" y="connsiteY5"/>
+              </a:cxn>
+              <a:cxn ang="0">
+                <a:pos x="connsiteX6" y="connsiteY6"/>
+              </a:cxn>
+            </a:cxnLst>
+            <a:rect l="l" t="t" r="r" b="b"/>
+            <a:pathLst>
+              <a:path w="6355652" h="6050127">
+                <a:moveTo>
+                  <a:pt x="1825048" y="0"/>
+                </a:moveTo>
+                <a:lnTo>
+                  <a:pt x="4530604" y="0"/>
+                </a:lnTo>
+                <a:lnTo>
+                  <a:pt x="4692567" y="78022"/>
+                </a:lnTo>
+                <a:cubicBezTo>
+                  <a:pt x="5683175" y="616152"/>
+                  <a:pt x="6355652" y="1665694"/>
+                  <a:pt x="6355652" y="2872301"/>
+                </a:cubicBezTo>
+                <a:cubicBezTo>
+                  <a:pt x="6355652" y="4627366"/>
+                  <a:pt x="4932891" y="6050127"/>
+                  <a:pt x="3177826" y="6050127"/>
+                </a:cubicBezTo>
+                <a:cubicBezTo>
+                  <a:pt x="1422761" y="6050127"/>
+                  <a:pt x="0" y="4627366"/>
+                  <a:pt x="0" y="2872301"/>
+                </a:cubicBezTo>
+                <a:cubicBezTo>
+                  <a:pt x="0" y="1665694"/>
+                  <a:pt x="672477" y="616152"/>
+                  <a:pt x="1663086" y="78022"/>
+                </a:cubicBezTo>
+                <a:close/>
+              </a:path>
+            </a:pathLst>
+          </a:custGeom>
+          <a:solidFill>
+            <a:schemeClr val="accent6">
+              <a:alpha val="30000"/>
+            </a:schemeClr>
+          </a:solidFill>
+          <a:ln w="28575">
+            <a:solidFill>
+              <a:schemeClr val="bg1"/>
+            </a:solidFill>
+          </a:ln>
+        </p:spPr>
+        <p:style>
+          <a:lnRef idx="2">
+            <a:schemeClr val="accent1">
+              <a:shade val="50000"/>
+            </a:schemeClr>
+          </a:lnRef>
+          <a:fillRef idx="1">
+            <a:schemeClr val="accent1"/>
+          </a:fillRef>
+          <a:effectRef idx="0">
+            <a:schemeClr val="accent1"/>
+          </a:effectRef>
+          <a:fontRef idx="minor">
+            <a:schemeClr val="lt1"/>
+          </a:fontRef>
+        </p:style>
+        <p:txBody>
+          <a:bodyPr rtlCol="0" anchor="ctr"/>
+          <a:lstStyle/>
+          <a:p>
+            <a:pPr algn="ctr"/>
+            <a:endParaRPr lang="en-US"/>
+          </a:p>
+        </p:txBody>
+      </p:sp>
+      <p:sp>
+        <p:nvSpPr>
+          <p:cNvPr id="18" name="Freeform: Shape 17">
+            <a:extLst>
+              <a:ext uri="{FF2B5EF4-FFF2-40B4-BE49-F238E27FC236}">
+                <a16:creationId xmlns:a16="http://schemas.microsoft.com/office/drawing/2014/main" id="{5AFEC601-A132-47EE-B0C2-B38ACD9FCE6F}"/>
+              </a:ext>
+              <a:ext uri="{C183D7F6-B498-43B3-948B-1728B52AA6E4}">
+                <adec:decorative xmlns:adec="http://schemas.microsoft.com/office/drawing/2017/decorative" val="1"/>
+              </a:ext>
+            </a:extLst>
+          </p:cNvPr>
+          <p:cNvSpPr>
+            <a:spLocks noGrp="1" noRot="1" noChangeAspect="1" noMove="1" noResize="1" noEditPoints="1" noAdjustHandles="1" noChangeArrowheads="1" noChangeShapeType="1" noTextEdit="1"/>
+          </p:cNvSpPr>
+          <p:nvPr>
+            <p:extLst>
+              <p:ext uri="{386F3935-93C4-4BCD-93E2-E3B085C9AB24}">
+                <p16:designElem xmlns:p16="http://schemas.microsoft.com/office/powerpoint/2015/main" val="1"/>
+              </p:ext>
+            </p:extLst>
+          </p:nvPr>
+        </p:nvSpPr>
+        <p:spPr>
+          <a:xfrm>
+            <a:off x="1786886" y="-23905"/>
+            <a:ext cx="6705251" cy="6215019"/>
+          </a:xfrm>
+          <a:custGeom>
+            <a:avLst/>
+            <a:gdLst>
+              <a:gd name="connsiteX0" fmla="*/ 1529549 w 6355652"/>
+              <a:gd name="connsiteY0" fmla="*/ 0 h 5890980"/>
+              <a:gd name="connsiteX1" fmla="*/ 4826104 w 6355652"/>
+              <a:gd name="connsiteY1" fmla="*/ 0 h 5890980"/>
+              <a:gd name="connsiteX2" fmla="*/ 4954579 w 6355652"/>
+              <a:gd name="connsiteY2" fmla="*/ 78051 h 5890980"/>
+              <a:gd name="connsiteX3" fmla="*/ 6355652 w 6355652"/>
+              <a:gd name="connsiteY3" fmla="*/ 2713154 h 5890980"/>
+              <a:gd name="connsiteX4" fmla="*/ 3177826 w 6355652"/>
+              <a:gd name="connsiteY4" fmla="*/ 5890980 h 5890980"/>
+              <a:gd name="connsiteX5" fmla="*/ 0 w 6355652"/>
+              <a:gd name="connsiteY5" fmla="*/ 2713154 h 5890980"/>
+              <a:gd name="connsiteX6" fmla="*/ 1401073 w 6355652"/>
+              <a:gd name="connsiteY6" fmla="*/ 78051 h 5890980"/>
+            </a:gdLst>
+            <a:ahLst/>
+            <a:cxnLst>
+              <a:cxn ang="0">
+                <a:pos x="connsiteX0" y="connsiteY0"/>
+              </a:cxn>
+              <a:cxn ang="0">
+                <a:pos x="connsiteX1" y="connsiteY1"/>
+              </a:cxn>
+              <a:cxn ang="0">
+                <a:pos x="connsiteX2" y="connsiteY2"/>
+              </a:cxn>
+              <a:cxn ang="0">
+                <a:pos x="connsiteX3" y="connsiteY3"/>
+              </a:cxn>
+              <a:cxn ang="0">
+                <a:pos x="connsiteX4" y="connsiteY4"/>
+              </a:cxn>
+              <a:cxn ang="0">
+                <a:pos x="connsiteX5" y="connsiteY5"/>
+              </a:cxn>
+              <a:cxn ang="0">
+                <a:pos x="connsiteX6" y="connsiteY6"/>
+              </a:cxn>
+            </a:cxnLst>
+            <a:rect l="l" t="t" r="r" b="b"/>
+            <a:pathLst>
+              <a:path w="6355652" h="5890980">
+                <a:moveTo>
+                  <a:pt x="1529549" y="0"/>
+                </a:moveTo>
+                <a:lnTo>
+                  <a:pt x="4826104" y="0"/>
+                </a:lnTo>
+                <a:lnTo>
+                  <a:pt x="4954579" y="78051"/>
+                </a:lnTo>
+                <a:cubicBezTo>
+                  <a:pt x="5799886" y="649129"/>
+                  <a:pt x="6355652" y="1616239"/>
+                  <a:pt x="6355652" y="2713154"/>
+                </a:cubicBezTo>
+                <a:cubicBezTo>
+                  <a:pt x="6355652" y="4468219"/>
+                  <a:pt x="4932891" y="5890980"/>
+                  <a:pt x="3177826" y="5890980"/>
+                </a:cubicBezTo>
+                <a:cubicBezTo>
+                  <a:pt x="1422761" y="5890980"/>
+                  <a:pt x="0" y="4468219"/>
+                  <a:pt x="0" y="2713154"/>
+                </a:cubicBezTo>
+                <a:cubicBezTo>
+                  <a:pt x="0" y="1616239"/>
+                  <a:pt x="555766" y="649129"/>
+                  <a:pt x="1401073" y="78051"/>
+                </a:cubicBezTo>
+                <a:close/>
+              </a:path>
+            </a:pathLst>
+          </a:custGeom>
+          <a:solidFill>
+            <a:schemeClr val="tx1"/>
+          </a:solidFill>
+          <a:ln w="28575">
+            <a:solidFill>
+              <a:schemeClr val="bg1"/>
+            </a:solidFill>
+          </a:ln>
+        </p:spPr>
+        <p:style>
+          <a:lnRef idx="2">
+            <a:schemeClr val="accent1">
+              <a:shade val="50000"/>
+            </a:schemeClr>
+          </a:lnRef>
+          <a:fillRef idx="1">
+            <a:schemeClr val="accent1"/>
+          </a:fillRef>
+          <a:effectRef idx="0">
+            <a:schemeClr val="accent1"/>
+          </a:effectRef>
+          <a:fontRef idx="minor">
+            <a:schemeClr val="lt1"/>
+          </a:fontRef>
+        </p:style>
+        <p:txBody>
+          <a:bodyPr rtlCol="0" anchor="ctr"/>
+          <a:lstStyle/>
+          <a:p>
+            <a:pPr algn="ctr"/>
+            <a:endParaRPr lang="en-US"/>
+          </a:p>
+        </p:txBody>
+      </p:sp>
+      <p:sp>
+        <p:nvSpPr>
+          <p:cNvPr id="2" name="Title 1">
+            <a:extLst>
+              <a:ext uri="{FF2B5EF4-FFF2-40B4-BE49-F238E27FC236}">
+                <a16:creationId xmlns:a16="http://schemas.microsoft.com/office/drawing/2014/main" id="{FA5DC1AB-9E9A-1A03-60EA-D0F87F02BA81}"/>
+              </a:ext>
+            </a:extLst>
+          </p:cNvPr>
+          <p:cNvSpPr>
+            <a:spLocks noGrp="1"/>
+          </p:cNvSpPr>
+          <p:nvPr>
+            <p:ph type="ctrTitle"/>
+          </p:nvPr>
+        </p:nvSpPr>
+        <p:spPr>
+          <a:xfrm>
+            <a:off x="2242409" y="895483"/>
+            <a:ext cx="5786232" cy="3011190"/>
+          </a:xfrm>
+        </p:spPr>
+        <p:txBody>
+          <a:bodyPr>
+            <a:normAutofit/>
+          </a:bodyPr>
+          <a:lstStyle/>
+          <a:p>
+            <a:r>
+              <a:rPr lang="en-US" sz="5400" dirty="0">
+                <a:solidFill>
+                  <a:schemeClr val="bg1"/>
+                </a:solidFill>
+              </a:rPr>
+              <a:t>hello</a:t>
+            </a:r>
+          </a:p>
+        </p:txBody>
+      </p:sp>
+      <p:sp>
+        <p:nvSpPr>
+          <p:cNvPr id="3" name="Subtitle 2">
+            <a:extLst>
+              <a:ext uri="{FF2B5EF4-FFF2-40B4-BE49-F238E27FC236}">
+                <a16:creationId xmlns:a16="http://schemas.microsoft.com/office/drawing/2014/main" id="{67F35711-82A3-7D21-43E3-352D94058CDF}"/>
+              </a:ext>
+            </a:extLst>
+          </p:cNvPr>
+          <p:cNvSpPr>
+            <a:spLocks noGrp="1"/>
+          </p:cNvSpPr>
+          <p:nvPr>
+            <p:ph type="subTitle" idx="1"/>
+          </p:nvPr>
+        </p:nvSpPr>
+        <p:spPr>
+          <a:xfrm>
+            <a:off x="2466270" y="4142096"/>
+            <a:ext cx="5338511" cy="1055142"/>
+          </a:xfrm>
+        </p:spPr>
+        <p:txBody>
+          <a:bodyPr>
+            <a:normAutofit/>
+          </a:bodyPr>
+          <a:lstStyle/>
+          <a:p>
+            <a:r>
+              <a:rPr lang="en-US" sz="2000" dirty="0">
+                <a:solidFill>
+                  <a:schemeClr val="bg1"/>
+                </a:solidFill>
+              </a:rPr>
+              <a:t>New slide for change</a:t>
+            </a:r>
+          </a:p>
+        </p:txBody>
+      </p:sp>
+      <p:sp>
+        <p:nvSpPr>
+          <p:cNvPr id="20" name="Graphic 212">
+            <a:extLst>
+              <a:ext uri="{FF2B5EF4-FFF2-40B4-BE49-F238E27FC236}">
+                <a16:creationId xmlns:a16="http://schemas.microsoft.com/office/drawing/2014/main" id="{279CAF82-0ECF-42BE-8F37-F71941E5D410}"/>
+              </a:ext>
+              <a:ext uri="{C183D7F6-B498-43B3-948B-1728B52AA6E4}">
+                <adec:decorative xmlns:adec="http://schemas.microsoft.com/office/drawing/2017/decorative" val="1"/>
+              </a:ext>
+            </a:extLst>
+          </p:cNvPr>
+          <p:cNvSpPr>
+            <a:spLocks noGrp="1" noRot="1" noChangeAspect="1" noMove="1" noResize="1" noEditPoints="1" noAdjustHandles="1" noChangeArrowheads="1" noChangeShapeType="1" noTextEdit="1"/>
+          </p:cNvSpPr>
+          <p:nvPr>
+            <p:extLst>
+              <p:ext uri="{386F3935-93C4-4BCD-93E2-E3B085C9AB24}">
+                <p16:designElem xmlns:p16="http://schemas.microsoft.com/office/powerpoint/2015/main" val="1"/>
+              </p:ext>
+            </p:extLst>
+          </p:nvPr>
+        </p:nvSpPr>
+        <p:spPr>
+          <a:xfrm>
+            <a:off x="8534716" y="188494"/>
+            <a:ext cx="1048371" cy="1048371"/>
+          </a:xfrm>
+          <a:custGeom>
+            <a:avLst/>
+            <a:gdLst>
+              <a:gd name="connsiteX0" fmla="*/ 403574 w 807148"/>
+              <a:gd name="connsiteY0" fmla="*/ 0 h 807148"/>
+              <a:gd name="connsiteX1" fmla="*/ 0 w 807148"/>
+              <a:gd name="connsiteY1" fmla="*/ 403574 h 807148"/>
+              <a:gd name="connsiteX2" fmla="*/ 403574 w 807148"/>
+              <a:gd name="connsiteY2" fmla="*/ 807149 h 807148"/>
+              <a:gd name="connsiteX3" fmla="*/ 807149 w 807148"/>
+              <a:gd name="connsiteY3" fmla="*/ 403574 h 807148"/>
+              <a:gd name="connsiteX4" fmla="*/ 403574 w 807148"/>
+              <a:gd name="connsiteY4" fmla="*/ 0 h 807148"/>
+              <a:gd name="connsiteX5" fmla="*/ 403574 w 807148"/>
+              <a:gd name="connsiteY5" fmla="*/ 667988 h 807148"/>
+              <a:gd name="connsiteX6" fmla="*/ 139160 w 807148"/>
+              <a:gd name="connsiteY6" fmla="*/ 403574 h 807148"/>
+              <a:gd name="connsiteX7" fmla="*/ 403574 w 807148"/>
+              <a:gd name="connsiteY7" fmla="*/ 139160 h 807148"/>
+              <a:gd name="connsiteX8" fmla="*/ 667988 w 807148"/>
+              <a:gd name="connsiteY8" fmla="*/ 403574 h 807148"/>
+              <a:gd name="connsiteX9" fmla="*/ 403574 w 807148"/>
+              <a:gd name="connsiteY9" fmla="*/ 667988 h 807148"/>
+            </a:gdLst>
+            <a:ahLst/>
+            <a:cxnLst>
+              <a:cxn ang="0">
+                <a:pos x="connsiteX0" y="connsiteY0"/>
+              </a:cxn>
+              <a:cxn ang="0">
+                <a:pos x="connsiteX1" y="connsiteY1"/>
+              </a:cxn>
+              <a:cxn ang="0">
+                <a:pos x="connsiteX2" y="connsiteY2"/>
+              </a:cxn>
+              <a:cxn ang="0">
+                <a:pos x="connsiteX3" y="connsiteY3"/>
+              </a:cxn>
+              <a:cxn ang="0">
+                <a:pos x="connsiteX4" y="connsiteY4"/>
+              </a:cxn>
+              <a:cxn ang="0">
+                <a:pos x="connsiteX5" y="connsiteY5"/>
+              </a:cxn>
+              <a:cxn ang="0">
+                <a:pos x="connsiteX6" y="connsiteY6"/>
+              </a:cxn>
+              <a:cxn ang="0">
+                <a:pos x="connsiteX7" y="connsiteY7"/>
+              </a:cxn>
+              <a:cxn ang="0">
+                <a:pos x="connsiteX8" y="connsiteY8"/>
+              </a:cxn>
+              <a:cxn ang="0">
+                <a:pos x="connsiteX9" y="connsiteY9"/>
+              </a:cxn>
+            </a:cxnLst>
+            <a:rect l="l" t="t" r="r" b="b"/>
+            <a:pathLst>
+              <a:path w="807148" h="807148">
+                <a:moveTo>
+                  <a:pt x="403574" y="0"/>
+                </a:moveTo>
+                <a:cubicBezTo>
+                  <a:pt x="180689" y="0"/>
+                  <a:pt x="0" y="180689"/>
+                  <a:pt x="0" y="403574"/>
+                </a:cubicBezTo>
+                <a:cubicBezTo>
+                  <a:pt x="0" y="626459"/>
+                  <a:pt x="180689" y="807149"/>
+                  <a:pt x="403574" y="807149"/>
+                </a:cubicBezTo>
+                <a:cubicBezTo>
+                  <a:pt x="626459" y="807149"/>
+                  <a:pt x="807149" y="626459"/>
+                  <a:pt x="807149" y="403574"/>
+                </a:cubicBezTo>
+                <a:cubicBezTo>
+                  <a:pt x="807149" y="180689"/>
+                  <a:pt x="626459" y="0"/>
+                  <a:pt x="403574" y="0"/>
+                </a:cubicBezTo>
+                <a:close/>
+                <a:moveTo>
+                  <a:pt x="403574" y="667988"/>
+                </a:moveTo>
+                <a:cubicBezTo>
+                  <a:pt x="257556" y="667988"/>
+                  <a:pt x="139160" y="549593"/>
+                  <a:pt x="139160" y="403574"/>
+                </a:cubicBezTo>
+                <a:cubicBezTo>
+                  <a:pt x="139160" y="257556"/>
+                  <a:pt x="257556" y="139160"/>
+                  <a:pt x="403574" y="139160"/>
+                </a:cubicBezTo>
+                <a:cubicBezTo>
+                  <a:pt x="549593" y="139160"/>
+                  <a:pt x="667988" y="257556"/>
+                  <a:pt x="667988" y="403574"/>
+                </a:cubicBezTo>
+                <a:cubicBezTo>
+                  <a:pt x="667988" y="549593"/>
+                  <a:pt x="549593" y="667988"/>
+                  <a:pt x="403574" y="667988"/>
+                </a:cubicBezTo>
+                <a:close/>
+              </a:path>
+            </a:pathLst>
+          </a:custGeom>
+          <a:solidFill>
+            <a:srgbClr val="FFFFFF"/>
+          </a:solidFill>
+          <a:ln w="28575">
+            <a:solidFill>
+              <a:schemeClr val="tx1"/>
+            </a:solidFill>
+          </a:ln>
+        </p:spPr>
+        <p:style>
+          <a:lnRef idx="2">
+            <a:schemeClr val="accent1">
+              <a:shade val="50000"/>
+            </a:schemeClr>
+          </a:lnRef>
+          <a:fillRef idx="1">
+            <a:schemeClr val="accent1"/>
+          </a:fillRef>
+          <a:effectRef idx="0">
+            <a:schemeClr val="accent1"/>
+          </a:effectRef>
+          <a:fontRef idx="minor">
+            <a:schemeClr val="lt1"/>
+          </a:fontRef>
+        </p:style>
+        <p:txBody>
+          <a:bodyPr rot="0" spcFirstLastPara="0" vertOverflow="overflow" horzOverflow="overflow" vert="horz" wrap="square" lIns="91440" tIns="45720" rIns="91440" bIns="45720" numCol="1" spcCol="0" rtlCol="0" fromWordArt="0" anchor="ctr" anchorCtr="0" forceAA="0" compatLnSpc="1">
+            <a:prstTxWarp prst="textNoShape">
+              <a:avLst/>
+            </a:prstTxWarp>
+            <a:noAutofit/>
+          </a:bodyPr>
+          <a:lstStyle/>
+          <a:p>
+            <a:pPr algn="ctr"/>
+            <a:endParaRPr lang="en-US">
+              <a:solidFill>
+                <a:schemeClr val="lt1"/>
+              </a:solidFill>
+            </a:endParaRPr>
+          </a:p>
+        </p:txBody>
+      </p:sp>
+      <p:sp>
+        <p:nvSpPr>
+          <p:cNvPr id="22" name="Graphic 212">
+            <a:extLst>
+              <a:ext uri="{FF2B5EF4-FFF2-40B4-BE49-F238E27FC236}">
+                <a16:creationId xmlns:a16="http://schemas.microsoft.com/office/drawing/2014/main" id="{218E095B-4870-4AD5-9C41-C16D59523501}"/>
+              </a:ext>
+              <a:ext uri="{C183D7F6-B498-43B3-948B-1728B52AA6E4}">
+                <adec:decorative xmlns:adec="http://schemas.microsoft.com/office/drawing/2017/decorative" val="1"/>
+              </a:ext>
+            </a:extLst>
+          </p:cNvPr>
+          <p:cNvSpPr>
+            <a:spLocks noGrp="1" noRot="1" noChangeAspect="1" noMove="1" noResize="1" noEditPoints="1" noAdjustHandles="1" noChangeArrowheads="1" noChangeShapeType="1" noTextEdit="1"/>
+          </p:cNvSpPr>
+          <p:nvPr>
+            <p:extLst>
+              <p:ext uri="{386F3935-93C4-4BCD-93E2-E3B085C9AB24}">
+                <p16:designElem xmlns:p16="http://schemas.microsoft.com/office/powerpoint/2015/main" val="1"/>
+              </p:ext>
+            </p:extLst>
+          </p:nvPr>
+        </p:nvSpPr>
+        <p:spPr>
+          <a:xfrm>
+            <a:off x="8534716" y="188494"/>
+            <a:ext cx="1048371" cy="1048371"/>
+          </a:xfrm>
+          <a:custGeom>
+            <a:avLst/>
+            <a:gdLst>
+              <a:gd name="connsiteX0" fmla="*/ 403574 w 807148"/>
+              <a:gd name="connsiteY0" fmla="*/ 0 h 807148"/>
+              <a:gd name="connsiteX1" fmla="*/ 0 w 807148"/>
+              <a:gd name="connsiteY1" fmla="*/ 403574 h 807148"/>
+              <a:gd name="connsiteX2" fmla="*/ 403574 w 807148"/>
+              <a:gd name="connsiteY2" fmla="*/ 807149 h 807148"/>
+              <a:gd name="connsiteX3" fmla="*/ 807149 w 807148"/>
+              <a:gd name="connsiteY3" fmla="*/ 403574 h 807148"/>
+              <a:gd name="connsiteX4" fmla="*/ 403574 w 807148"/>
+              <a:gd name="connsiteY4" fmla="*/ 0 h 807148"/>
+              <a:gd name="connsiteX5" fmla="*/ 403574 w 807148"/>
+              <a:gd name="connsiteY5" fmla="*/ 667988 h 807148"/>
+              <a:gd name="connsiteX6" fmla="*/ 139160 w 807148"/>
+              <a:gd name="connsiteY6" fmla="*/ 403574 h 807148"/>
+              <a:gd name="connsiteX7" fmla="*/ 403574 w 807148"/>
+              <a:gd name="connsiteY7" fmla="*/ 139160 h 807148"/>
+              <a:gd name="connsiteX8" fmla="*/ 667988 w 807148"/>
+              <a:gd name="connsiteY8" fmla="*/ 403574 h 807148"/>
+              <a:gd name="connsiteX9" fmla="*/ 403574 w 807148"/>
+              <a:gd name="connsiteY9" fmla="*/ 667988 h 807148"/>
+            </a:gdLst>
+            <a:ahLst/>
+            <a:cxnLst>
+              <a:cxn ang="0">
+                <a:pos x="connsiteX0" y="connsiteY0"/>
+              </a:cxn>
+              <a:cxn ang="0">
+                <a:pos x="connsiteX1" y="connsiteY1"/>
+              </a:cxn>
+              <a:cxn ang="0">
+                <a:pos x="connsiteX2" y="connsiteY2"/>
+              </a:cxn>
+              <a:cxn ang="0">
+                <a:pos x="connsiteX3" y="connsiteY3"/>
+              </a:cxn>
+              <a:cxn ang="0">
+                <a:pos x="connsiteX4" y="connsiteY4"/>
+              </a:cxn>
+              <a:cxn ang="0">
+                <a:pos x="connsiteX5" y="connsiteY5"/>
+              </a:cxn>
+              <a:cxn ang="0">
+                <a:pos x="connsiteX6" y="connsiteY6"/>
+              </a:cxn>
+              <a:cxn ang="0">
+                <a:pos x="connsiteX7" y="connsiteY7"/>
+              </a:cxn>
+              <a:cxn ang="0">
+                <a:pos x="connsiteX8" y="connsiteY8"/>
+              </a:cxn>
+              <a:cxn ang="0">
+                <a:pos x="connsiteX9" y="connsiteY9"/>
+              </a:cxn>
+            </a:cxnLst>
+            <a:rect l="l" t="t" r="r" b="b"/>
+            <a:pathLst>
+              <a:path w="807148" h="807148">
+                <a:moveTo>
+                  <a:pt x="403574" y="0"/>
+                </a:moveTo>
+                <a:cubicBezTo>
+                  <a:pt x="180689" y="0"/>
+                  <a:pt x="0" y="180689"/>
+                  <a:pt x="0" y="403574"/>
+                </a:cubicBezTo>
+                <a:cubicBezTo>
+                  <a:pt x="0" y="626459"/>
+                  <a:pt x="180689" y="807149"/>
+                  <a:pt x="403574" y="807149"/>
+                </a:cubicBezTo>
+                <a:cubicBezTo>
+                  <a:pt x="626459" y="807149"/>
+                  <a:pt x="807149" y="626459"/>
+                  <a:pt x="807149" y="403574"/>
+                </a:cubicBezTo>
+                <a:cubicBezTo>
+                  <a:pt x="807149" y="180689"/>
+                  <a:pt x="626459" y="0"/>
+                  <a:pt x="403574" y="0"/>
+                </a:cubicBezTo>
+                <a:close/>
+                <a:moveTo>
+                  <a:pt x="403574" y="667988"/>
+                </a:moveTo>
+                <a:cubicBezTo>
+                  <a:pt x="257556" y="667988"/>
+                  <a:pt x="139160" y="549593"/>
+                  <a:pt x="139160" y="403574"/>
+                </a:cubicBezTo>
+                <a:cubicBezTo>
+                  <a:pt x="139160" y="257556"/>
+                  <a:pt x="257556" y="139160"/>
+                  <a:pt x="403574" y="139160"/>
+                </a:cubicBezTo>
+                <a:cubicBezTo>
+                  <a:pt x="549593" y="139160"/>
+                  <a:pt x="667988" y="257556"/>
+                  <a:pt x="667988" y="403574"/>
+                </a:cubicBezTo>
+                <a:cubicBezTo>
+                  <a:pt x="667988" y="549593"/>
+                  <a:pt x="549593" y="667988"/>
+                  <a:pt x="403574" y="667988"/>
+                </a:cubicBezTo>
+                <a:close/>
+              </a:path>
+            </a:pathLst>
+          </a:custGeom>
+          <a:solidFill>
+            <a:schemeClr val="accent2">
+              <a:alpha val="30000"/>
+            </a:schemeClr>
+          </a:solidFill>
+          <a:ln w="28575">
+            <a:solidFill>
+              <a:schemeClr val="bg1"/>
+            </a:solidFill>
+          </a:ln>
+        </p:spPr>
+        <p:style>
+          <a:lnRef idx="2">
+            <a:schemeClr val="accent1">
+              <a:shade val="50000"/>
+            </a:schemeClr>
+          </a:lnRef>
+          <a:fillRef idx="1">
+            <a:schemeClr val="accent1"/>
+          </a:fillRef>
+          <a:effectRef idx="0">
+            <a:schemeClr val="accent1"/>
+          </a:effectRef>
+          <a:fontRef idx="minor">
+            <a:schemeClr val="lt1"/>
+          </a:fontRef>
+        </p:style>
+        <p:txBody>
+          <a:bodyPr rot="0" spcFirstLastPara="0" vertOverflow="overflow" horzOverflow="overflow" vert="horz" wrap="square" lIns="91440" tIns="45720" rIns="91440" bIns="45720" numCol="1" spcCol="0" rtlCol="0" fromWordArt="0" anchor="ctr" anchorCtr="0" forceAA="0" compatLnSpc="1">
+            <a:prstTxWarp prst="textNoShape">
+              <a:avLst/>
+            </a:prstTxWarp>
+            <a:noAutofit/>
+          </a:bodyPr>
+          <a:lstStyle/>
+          <a:p>
+            <a:pPr algn="ctr"/>
+            <a:endParaRPr lang="en-US">
+              <a:solidFill>
+                <a:schemeClr val="lt1"/>
+              </a:solidFill>
+            </a:endParaRPr>
+          </a:p>
+        </p:txBody>
+      </p:sp>
+      <p:grpSp>
+        <p:nvGrpSpPr>
+          <p:cNvPr id="24" name="Graphic 185">
+            <a:extLst>
+              <a:ext uri="{FF2B5EF4-FFF2-40B4-BE49-F238E27FC236}">
+                <a16:creationId xmlns:a16="http://schemas.microsoft.com/office/drawing/2014/main" id="{FB9739EB-7F66-433D-841F-AB3CD18700B7}"/>
+              </a:ext>
+              <a:ext uri="{C183D7F6-B498-43B3-948B-1728B52AA6E4}">
+                <adec:decorative xmlns:adec="http://schemas.microsoft.com/office/drawing/2017/decorative" val="1"/>
+              </a:ext>
+            </a:extLst>
+          </p:cNvPr>
+          <p:cNvGrpSpPr>
+            <a:grpSpLocks noGrp="1" noUngrp="1" noRot="1" noChangeAspect="1" noMove="1" noResize="1"/>
+          </p:cNvGrpSpPr>
+          <p:nvPr>
+            <p:extLst>
+              <p:ext uri="{386F3935-93C4-4BCD-93E2-E3B085C9AB24}">
+                <p16:designElem xmlns:p16="http://schemas.microsoft.com/office/powerpoint/2015/main" val="1"/>
+              </p:ext>
+            </p:extLst>
+          </p:nvPr>
+        </p:nvGrpSpPr>
+        <p:grpSpPr>
+          <a:xfrm>
+            <a:off x="9583101" y="3578317"/>
+            <a:ext cx="1054466" cy="469689"/>
+            <a:chOff x="9841624" y="4115729"/>
+            <a:chExt cx="602169" cy="268223"/>
+          </a:xfrm>
+          <a:solidFill>
+            <a:schemeClr val="bg1"/>
+          </a:solidFill>
+        </p:grpSpPr>
+        <p:sp>
+          <p:nvSpPr>
+            <p:cNvPr id="25" name="Freeform: Shape 24">
+              <a:extLst>
+                <a:ext uri="{FF2B5EF4-FFF2-40B4-BE49-F238E27FC236}">
+                  <a16:creationId xmlns:a16="http://schemas.microsoft.com/office/drawing/2014/main" id="{104F2BBD-A005-4DCB-9566-F2351050BEE6}"/>
+                </a:ext>
+                <a:ext uri="{C183D7F6-B498-43B3-948B-1728B52AA6E4}">
+                  <adec:decorative xmlns:adec="http://schemas.microsoft.com/office/drawing/2017/decorative" val="1"/>
+                </a:ext>
+              </a:extLst>
+            </p:cNvPr>
+            <p:cNvSpPr/>
+            <p:nvPr>
+              <p:extLst>
+                <p:ext uri="{386F3935-93C4-4BCD-93E2-E3B085C9AB24}">
+                  <p16:designElem xmlns:p16="http://schemas.microsoft.com/office/powerpoint/2015/main" val="1"/>
+                </p:ext>
+              </p:extLst>
+            </p:nvPr>
+          </p:nvSpPr>
+          <p:spPr>
+            <a:xfrm>
+              <a:off x="9841624" y="4115729"/>
+              <a:ext cx="202882" cy="268223"/>
+            </a:xfrm>
+            <a:custGeom>
+              <a:avLst/>
+              <a:gdLst>
+                <a:gd name="connsiteX0" fmla="*/ 20765 w 202882"/>
+                <a:gd name="connsiteY0" fmla="*/ 268224 h 268223"/>
+                <a:gd name="connsiteX1" fmla="*/ 0 w 202882"/>
+                <a:gd name="connsiteY1" fmla="*/ 268224 h 268223"/>
+                <a:gd name="connsiteX2" fmla="*/ 182118 w 202882"/>
+                <a:gd name="connsiteY2" fmla="*/ 0 h 268223"/>
+                <a:gd name="connsiteX3" fmla="*/ 202883 w 202882"/>
+                <a:gd name="connsiteY3" fmla="*/ 0 h 268223"/>
+              </a:gdLst>
+              <a:ahLst/>
+              <a:cxnLst>
+                <a:cxn ang="0">
+                  <a:pos x="connsiteX0" y="connsiteY0"/>
+                </a:cxn>
+                <a:cxn ang="0">
+                  <a:pos x="connsiteX1" y="connsiteY1"/>
+                </a:cxn>
+                <a:cxn ang="0">
+                  <a:pos x="connsiteX2" y="connsiteY2"/>
+                </a:cxn>
+                <a:cxn ang="0">
+                  <a:pos x="connsiteX3" y="connsiteY3"/>
+                </a:cxn>
+              </a:cxnLst>
+              <a:rect l="l" t="t" r="r" b="b"/>
+              <a:pathLst>
+                <a:path w="202882" h="268223">
+                  <a:moveTo>
+                    <a:pt x="20765" y="268224"/>
+                  </a:moveTo>
+                  <a:lnTo>
+                    <a:pt x="0" y="268224"/>
+                  </a:lnTo>
+                  <a:lnTo>
+                    <a:pt x="182118" y="0"/>
+                  </a:lnTo>
+                  <a:lnTo>
+                    <a:pt x="202883" y="0"/>
+                  </a:lnTo>
+                  <a:close/>
+                </a:path>
+              </a:pathLst>
+            </a:custGeom>
+            <a:grpFill/>
+            <a:ln w="9525" cap="flat">
+              <a:noFill/>
+              <a:prstDash val="solid"/>
+              <a:miter/>
+            </a:ln>
+          </p:spPr>
+          <p:txBody>
+            <a:bodyPr rtlCol="0" anchor="ctr"/>
+            <a:lstStyle/>
+            <a:p>
+              <a:endParaRPr lang="en-US"/>
+            </a:p>
+          </p:txBody>
+        </p:sp>
+        <p:sp>
+          <p:nvSpPr>
+            <p:cNvPr id="26" name="Freeform: Shape 25">
+              <a:extLst>
+                <a:ext uri="{FF2B5EF4-FFF2-40B4-BE49-F238E27FC236}">
+                  <a16:creationId xmlns:a16="http://schemas.microsoft.com/office/drawing/2014/main" id="{8B00DEC7-198B-49D1-98FD-018F3ECFCF4C}"/>
+                </a:ext>
+                <a:ext uri="{C183D7F6-B498-43B3-948B-1728B52AA6E4}">
+                  <adec:decorative xmlns:adec="http://schemas.microsoft.com/office/drawing/2017/decorative" val="1"/>
+                </a:ext>
+              </a:extLst>
+            </p:cNvPr>
+            <p:cNvSpPr/>
+            <p:nvPr>
+              <p:extLst>
+                <p:ext uri="{386F3935-93C4-4BCD-93E2-E3B085C9AB24}">
+                  <p16:designElem xmlns:p16="http://schemas.microsoft.com/office/powerpoint/2015/main" val="1"/>
+                </p:ext>
+              </p:extLst>
+            </p:nvPr>
+          </p:nvSpPr>
+          <p:spPr>
+            <a:xfrm>
+              <a:off x="9941445" y="4115729"/>
+              <a:ext cx="202882" cy="268223"/>
+            </a:xfrm>
+            <a:custGeom>
+              <a:avLst/>
+              <a:gdLst>
+                <a:gd name="connsiteX0" fmla="*/ 20765 w 202882"/>
+                <a:gd name="connsiteY0" fmla="*/ 268224 h 268223"/>
+                <a:gd name="connsiteX1" fmla="*/ 0 w 202882"/>
+                <a:gd name="connsiteY1" fmla="*/ 268224 h 268223"/>
+                <a:gd name="connsiteX2" fmla="*/ 182118 w 202882"/>
+                <a:gd name="connsiteY2" fmla="*/ 0 h 268223"/>
+                <a:gd name="connsiteX3" fmla="*/ 202883 w 202882"/>
+                <a:gd name="connsiteY3" fmla="*/ 0 h 268223"/>
+              </a:gdLst>
+              <a:ahLst/>
+              <a:cxnLst>
+                <a:cxn ang="0">
+                  <a:pos x="connsiteX0" y="connsiteY0"/>
+                </a:cxn>
+                <a:cxn ang="0">
+                  <a:pos x="connsiteX1" y="connsiteY1"/>
+                </a:cxn>
+                <a:cxn ang="0">
+                  <a:pos x="connsiteX2" y="connsiteY2"/>
+                </a:cxn>
+                <a:cxn ang="0">
+                  <a:pos x="connsiteX3" y="connsiteY3"/>
+                </a:cxn>
+              </a:cxnLst>
+              <a:rect l="l" t="t" r="r" b="b"/>
+              <a:pathLst>
+                <a:path w="202882" h="268223">
+                  <a:moveTo>
+                    <a:pt x="20765" y="268224"/>
+                  </a:moveTo>
+                  <a:lnTo>
+                    <a:pt x="0" y="268224"/>
+                  </a:lnTo>
+                  <a:lnTo>
+                    <a:pt x="182118" y="0"/>
+                  </a:lnTo>
+                  <a:lnTo>
+                    <a:pt x="202883" y="0"/>
+                  </a:lnTo>
+                  <a:close/>
+                </a:path>
+              </a:pathLst>
+            </a:custGeom>
+            <a:grpFill/>
+            <a:ln w="9525" cap="flat">
+              <a:noFill/>
+              <a:prstDash val="solid"/>
+              <a:miter/>
+            </a:ln>
+          </p:spPr>
+          <p:txBody>
+            <a:bodyPr rtlCol="0" anchor="ctr"/>
+            <a:lstStyle/>
+            <a:p>
+              <a:endParaRPr lang="en-US"/>
+            </a:p>
+          </p:txBody>
+        </p:sp>
+        <p:sp>
+          <p:nvSpPr>
+            <p:cNvPr id="27" name="Freeform: Shape 26">
+              <a:extLst>
+                <a:ext uri="{FF2B5EF4-FFF2-40B4-BE49-F238E27FC236}">
+                  <a16:creationId xmlns:a16="http://schemas.microsoft.com/office/drawing/2014/main" id="{F14DFC82-B3B3-468E-91B3-1302CFC68468}"/>
+                </a:ext>
+                <a:ext uri="{C183D7F6-B498-43B3-948B-1728B52AA6E4}">
+                  <adec:decorative xmlns:adec="http://schemas.microsoft.com/office/drawing/2017/decorative" val="1"/>
+                </a:ext>
+              </a:extLst>
+            </p:cNvPr>
+            <p:cNvSpPr/>
+            <p:nvPr>
+              <p:extLst>
+                <p:ext uri="{386F3935-93C4-4BCD-93E2-E3B085C9AB24}">
+                  <p16:designElem xmlns:p16="http://schemas.microsoft.com/office/powerpoint/2015/main" val="1"/>
+                </p:ext>
+              </p:extLst>
+            </p:nvPr>
+          </p:nvSpPr>
+          <p:spPr>
+            <a:xfrm>
+              <a:off x="10041267" y="4115729"/>
+              <a:ext cx="202882" cy="268223"/>
+            </a:xfrm>
+            <a:custGeom>
+              <a:avLst/>
+              <a:gdLst>
+                <a:gd name="connsiteX0" fmla="*/ 20669 w 202882"/>
+                <a:gd name="connsiteY0" fmla="*/ 268224 h 268223"/>
+                <a:gd name="connsiteX1" fmla="*/ 0 w 202882"/>
+                <a:gd name="connsiteY1" fmla="*/ 268224 h 268223"/>
+                <a:gd name="connsiteX2" fmla="*/ 182118 w 202882"/>
+                <a:gd name="connsiteY2" fmla="*/ 0 h 268223"/>
+                <a:gd name="connsiteX3" fmla="*/ 202883 w 202882"/>
+                <a:gd name="connsiteY3" fmla="*/ 0 h 268223"/>
+              </a:gdLst>
+              <a:ahLst/>
+              <a:cxnLst>
+                <a:cxn ang="0">
+                  <a:pos x="connsiteX0" y="connsiteY0"/>
+                </a:cxn>
+                <a:cxn ang="0">
+                  <a:pos x="connsiteX1" y="connsiteY1"/>
+                </a:cxn>
+                <a:cxn ang="0">
+                  <a:pos x="connsiteX2" y="connsiteY2"/>
+                </a:cxn>
+                <a:cxn ang="0">
+                  <a:pos x="connsiteX3" y="connsiteY3"/>
+                </a:cxn>
+              </a:cxnLst>
+              <a:rect l="l" t="t" r="r" b="b"/>
+              <a:pathLst>
+                <a:path w="202882" h="268223">
+                  <a:moveTo>
+                    <a:pt x="20669" y="268224"/>
+                  </a:moveTo>
+                  <a:lnTo>
+                    <a:pt x="0" y="268224"/>
+                  </a:lnTo>
+                  <a:lnTo>
+                    <a:pt x="182118" y="0"/>
+                  </a:lnTo>
+                  <a:lnTo>
+                    <a:pt x="202883" y="0"/>
+                  </a:lnTo>
+                  <a:close/>
+                </a:path>
+              </a:pathLst>
+            </a:custGeom>
+            <a:grpFill/>
+            <a:ln w="9525" cap="flat">
+              <a:noFill/>
+              <a:prstDash val="solid"/>
+              <a:miter/>
+            </a:ln>
+          </p:spPr>
+          <p:txBody>
+            <a:bodyPr rtlCol="0" anchor="ctr"/>
+            <a:lstStyle/>
+            <a:p>
+              <a:endParaRPr lang="en-US"/>
+            </a:p>
+          </p:txBody>
+        </p:sp>
+        <p:sp>
+          <p:nvSpPr>
+            <p:cNvPr id="28" name="Freeform: Shape 27">
+              <a:extLst>
+                <a:ext uri="{FF2B5EF4-FFF2-40B4-BE49-F238E27FC236}">
+                  <a16:creationId xmlns:a16="http://schemas.microsoft.com/office/drawing/2014/main" id="{D3250EFE-214E-4B8E-AF96-036A514FFB2D}"/>
+                </a:ext>
+                <a:ext uri="{C183D7F6-B498-43B3-948B-1728B52AA6E4}">
+                  <adec:decorative xmlns:adec="http://schemas.microsoft.com/office/drawing/2017/decorative" val="1"/>
+                </a:ext>
+              </a:extLst>
+            </p:cNvPr>
+            <p:cNvSpPr/>
+            <p:nvPr>
+              <p:extLst>
+                <p:ext uri="{386F3935-93C4-4BCD-93E2-E3B085C9AB24}">
+                  <p16:designElem xmlns:p16="http://schemas.microsoft.com/office/powerpoint/2015/main" val="1"/>
+                </p:ext>
+              </p:extLst>
+            </p:nvPr>
+          </p:nvSpPr>
+          <p:spPr>
+            <a:xfrm>
+              <a:off x="10141090" y="4115729"/>
+              <a:ext cx="202882" cy="268223"/>
+            </a:xfrm>
+            <a:custGeom>
+              <a:avLst/>
+              <a:gdLst>
+                <a:gd name="connsiteX0" fmla="*/ 20669 w 202882"/>
+                <a:gd name="connsiteY0" fmla="*/ 268224 h 268223"/>
+                <a:gd name="connsiteX1" fmla="*/ 0 w 202882"/>
+                <a:gd name="connsiteY1" fmla="*/ 268224 h 268223"/>
+                <a:gd name="connsiteX2" fmla="*/ 182118 w 202882"/>
+                <a:gd name="connsiteY2" fmla="*/ 0 h 268223"/>
+                <a:gd name="connsiteX3" fmla="*/ 202883 w 202882"/>
+                <a:gd name="connsiteY3" fmla="*/ 0 h 268223"/>
+              </a:gdLst>
+              <a:ahLst/>
+              <a:cxnLst>
+                <a:cxn ang="0">
+                  <a:pos x="connsiteX0" y="connsiteY0"/>
+                </a:cxn>
+                <a:cxn ang="0">
+                  <a:pos x="connsiteX1" y="connsiteY1"/>
+                </a:cxn>
+                <a:cxn ang="0">
+                  <a:pos x="connsiteX2" y="connsiteY2"/>
+                </a:cxn>
+                <a:cxn ang="0">
+                  <a:pos x="connsiteX3" y="connsiteY3"/>
+                </a:cxn>
+              </a:cxnLst>
+              <a:rect l="l" t="t" r="r" b="b"/>
+              <a:pathLst>
+                <a:path w="202882" h="268223">
+                  <a:moveTo>
+                    <a:pt x="20669" y="268224"/>
+                  </a:moveTo>
+                  <a:lnTo>
+                    <a:pt x="0" y="268224"/>
+                  </a:lnTo>
+                  <a:lnTo>
+                    <a:pt x="182118" y="0"/>
+                  </a:lnTo>
+                  <a:lnTo>
+                    <a:pt x="202883" y="0"/>
+                  </a:lnTo>
+                  <a:close/>
+                </a:path>
+              </a:pathLst>
+            </a:custGeom>
+            <a:grpFill/>
+            <a:ln w="9525" cap="flat">
+              <a:noFill/>
+              <a:prstDash val="solid"/>
+              <a:miter/>
+            </a:ln>
+          </p:spPr>
+          <p:txBody>
+            <a:bodyPr rtlCol="0" anchor="ctr"/>
+            <a:lstStyle/>
+            <a:p>
+              <a:endParaRPr lang="en-US"/>
+            </a:p>
+          </p:txBody>
+        </p:sp>
+        <p:sp>
+          <p:nvSpPr>
+            <p:cNvPr id="29" name="Freeform: Shape 28">
+              <a:extLst>
+                <a:ext uri="{FF2B5EF4-FFF2-40B4-BE49-F238E27FC236}">
+                  <a16:creationId xmlns:a16="http://schemas.microsoft.com/office/drawing/2014/main" id="{AD058EBE-D4A5-4C43-B170-6A451F87A7B2}"/>
+                </a:ext>
+                <a:ext uri="{C183D7F6-B498-43B3-948B-1728B52AA6E4}">
+                  <adec:decorative xmlns:adec="http://schemas.microsoft.com/office/drawing/2017/decorative" val="1"/>
+                </a:ext>
+              </a:extLst>
+            </p:cNvPr>
+            <p:cNvSpPr/>
+            <p:nvPr>
+              <p:extLst>
+                <p:ext uri="{386F3935-93C4-4BCD-93E2-E3B085C9AB24}">
+                  <p16:designElem xmlns:p16="http://schemas.microsoft.com/office/powerpoint/2015/main" val="1"/>
+                </p:ext>
+              </p:extLst>
+            </p:nvPr>
+          </p:nvSpPr>
+          <p:spPr>
+            <a:xfrm>
+              <a:off x="10240911" y="4115729"/>
+              <a:ext cx="202882" cy="268223"/>
+            </a:xfrm>
+            <a:custGeom>
+              <a:avLst/>
+              <a:gdLst>
+                <a:gd name="connsiteX0" fmla="*/ 20669 w 202882"/>
+                <a:gd name="connsiteY0" fmla="*/ 268224 h 268223"/>
+                <a:gd name="connsiteX1" fmla="*/ 0 w 202882"/>
+                <a:gd name="connsiteY1" fmla="*/ 268224 h 268223"/>
+                <a:gd name="connsiteX2" fmla="*/ 182118 w 202882"/>
+                <a:gd name="connsiteY2" fmla="*/ 0 h 268223"/>
+                <a:gd name="connsiteX3" fmla="*/ 202883 w 202882"/>
+                <a:gd name="connsiteY3" fmla="*/ 0 h 268223"/>
+              </a:gdLst>
+              <a:ahLst/>
+              <a:cxnLst>
+                <a:cxn ang="0">
+                  <a:pos x="connsiteX0" y="connsiteY0"/>
+                </a:cxn>
+                <a:cxn ang="0">
+                  <a:pos x="connsiteX1" y="connsiteY1"/>
+                </a:cxn>
+                <a:cxn ang="0">
+                  <a:pos x="connsiteX2" y="connsiteY2"/>
+                </a:cxn>
+                <a:cxn ang="0">
+                  <a:pos x="connsiteX3" y="connsiteY3"/>
+                </a:cxn>
+              </a:cxnLst>
+              <a:rect l="l" t="t" r="r" b="b"/>
+              <a:pathLst>
+                <a:path w="202882" h="268223">
+                  <a:moveTo>
+                    <a:pt x="20669" y="268224"/>
+                  </a:moveTo>
+                  <a:lnTo>
+                    <a:pt x="0" y="268224"/>
+                  </a:lnTo>
+                  <a:lnTo>
+                    <a:pt x="182118" y="0"/>
+                  </a:lnTo>
+                  <a:lnTo>
+                    <a:pt x="202883" y="0"/>
+                  </a:lnTo>
+                  <a:close/>
+                </a:path>
+              </a:pathLst>
+            </a:custGeom>
+            <a:grpFill/>
+            <a:ln w="9525" cap="flat">
+              <a:noFill/>
+              <a:prstDash val="solid"/>
+              <a:miter/>
+            </a:ln>
+          </p:spPr>
+          <p:txBody>
+            <a:bodyPr rtlCol="0" anchor="ctr"/>
+            <a:lstStyle/>
+            <a:p>
+              <a:endParaRPr lang="en-US"/>
+            </a:p>
+          </p:txBody>
+        </p:sp>
+      </p:grpSp>
+      <p:sp>
+        <p:nvSpPr>
+          <p:cNvPr id="31" name="Oval 30">
+            <a:extLst>
+              <a:ext uri="{FF2B5EF4-FFF2-40B4-BE49-F238E27FC236}">
+                <a16:creationId xmlns:a16="http://schemas.microsoft.com/office/drawing/2014/main" id="{033BC44A-0661-43B4-9C14-FD5963C226AE}"/>
+              </a:ext>
+              <a:ext uri="{C183D7F6-B498-43B3-948B-1728B52AA6E4}">
+                <adec:decorative xmlns:adec="http://schemas.microsoft.com/office/drawing/2017/decorative" val="1"/>
+              </a:ext>
+            </a:extLst>
+          </p:cNvPr>
+          <p:cNvSpPr>
+            <a:spLocks noGrp="1" noRot="1" noChangeAspect="1" noMove="1" noResize="1" noEditPoints="1" noAdjustHandles="1" noChangeArrowheads="1" noChangeShapeType="1" noTextEdit="1"/>
+          </p:cNvSpPr>
+          <p:nvPr>
+            <p:extLst>
+              <p:ext uri="{386F3935-93C4-4BCD-93E2-E3B085C9AB24}">
+                <p16:designElem xmlns:p16="http://schemas.microsoft.com/office/powerpoint/2015/main" val="1"/>
+              </p:ext>
+            </p:extLst>
+          </p:nvPr>
+        </p:nvSpPr>
+        <p:spPr>
+          <a:xfrm>
+            <a:off x="1444525" y="4910353"/>
+            <a:ext cx="468090" cy="468090"/>
+          </a:xfrm>
+          <a:prstGeom prst="ellipse">
+            <a:avLst/>
+          </a:prstGeom>
+          <a:solidFill>
+            <a:srgbClr val="FFFFFF"/>
+          </a:solidFill>
+          <a:ln w="28575">
+            <a:noFill/>
+          </a:ln>
+        </p:spPr>
+        <p:style>
+          <a:lnRef idx="2">
+            <a:schemeClr val="accent1">
+              <a:shade val="50000"/>
+            </a:schemeClr>
+          </a:lnRef>
+          <a:fillRef idx="1">
+            <a:schemeClr val="accent1"/>
+          </a:fillRef>
+          <a:effectRef idx="0">
+            <a:schemeClr val="accent1"/>
+          </a:effectRef>
+          <a:fontRef idx="minor">
+            <a:schemeClr val="lt1"/>
+          </a:fontRef>
+        </p:style>
+        <p:txBody>
+          <a:bodyPr rot="0" spcFirstLastPara="0" vertOverflow="overflow" horzOverflow="overflow" vert="horz" wrap="square" lIns="91440" tIns="45720" rIns="91440" bIns="45720" numCol="1" spcCol="0" rtlCol="0" fromWordArt="0" anchor="ctr" anchorCtr="0" forceAA="0" compatLnSpc="1">
+            <a:prstTxWarp prst="textNoShape">
+              <a:avLst/>
+            </a:prstTxWarp>
+            <a:noAutofit/>
+          </a:bodyPr>
+          <a:lstStyle/>
+          <a:p>
+            <a:pPr algn="ctr"/>
+            <a:endParaRPr lang="en-US"/>
+          </a:p>
+        </p:txBody>
+      </p:sp>
+      <p:sp>
+        <p:nvSpPr>
+          <p:cNvPr id="33" name="Oval 32">
+            <a:extLst>
+              <a:ext uri="{FF2B5EF4-FFF2-40B4-BE49-F238E27FC236}">
+                <a16:creationId xmlns:a16="http://schemas.microsoft.com/office/drawing/2014/main" id="{BE8CB2F0-2F5A-4EBD-B214-E0309C31F578}"/>
+              </a:ext>
+              <a:ext uri="{C183D7F6-B498-43B3-948B-1728B52AA6E4}">
+                <adec:decorative xmlns:adec="http://schemas.microsoft.com/office/drawing/2017/decorative" val="1"/>
+              </a:ext>
+            </a:extLst>
+          </p:cNvPr>
+          <p:cNvSpPr>
+            <a:spLocks noGrp="1" noRot="1" noChangeAspect="1" noMove="1" noResize="1" noEditPoints="1" noAdjustHandles="1" noChangeArrowheads="1" noChangeShapeType="1" noTextEdit="1"/>
+          </p:cNvSpPr>
+          <p:nvPr>
+            <p:extLst>
+              <p:ext uri="{386F3935-93C4-4BCD-93E2-E3B085C9AB24}">
+                <p16:designElem xmlns:p16="http://schemas.microsoft.com/office/powerpoint/2015/main" val="1"/>
+              </p:ext>
+            </p:extLst>
+          </p:nvPr>
+        </p:nvSpPr>
+        <p:spPr>
+          <a:xfrm>
+            <a:off x="1444525" y="4910353"/>
+            <a:ext cx="468090" cy="468090"/>
+          </a:xfrm>
+          <a:prstGeom prst="ellipse">
+            <a:avLst/>
+          </a:prstGeom>
+          <a:solidFill>
+            <a:schemeClr val="accent2">
+              <a:alpha val="30000"/>
+            </a:schemeClr>
+          </a:solidFill>
+          <a:ln w="28575">
+            <a:solidFill>
+              <a:schemeClr val="bg1"/>
+            </a:solidFill>
+          </a:ln>
+        </p:spPr>
+        <p:style>
+          <a:lnRef idx="2">
+            <a:schemeClr val="accent1">
+              <a:shade val="50000"/>
+            </a:schemeClr>
+          </a:lnRef>
+          <a:fillRef idx="1">
+            <a:schemeClr val="accent1"/>
+          </a:fillRef>
+          <a:effectRef idx="0">
+            <a:schemeClr val="accent1"/>
+          </a:effectRef>
+          <a:fontRef idx="minor">
+            <a:schemeClr val="lt1"/>
+          </a:fontRef>
+        </p:style>
+        <p:txBody>
+          <a:bodyPr rot="0" spcFirstLastPara="0" vertOverflow="overflow" horzOverflow="overflow" vert="horz" wrap="square" lIns="91440" tIns="45720" rIns="91440" bIns="45720" numCol="1" spcCol="0" rtlCol="0" fromWordArt="0" anchor="ctr" anchorCtr="0" forceAA="0" compatLnSpc="1">
+            <a:prstTxWarp prst="textNoShape">
+              <a:avLst/>
+            </a:prstTxWarp>
+            <a:noAutofit/>
+          </a:bodyPr>
+          <a:lstStyle/>
+          <a:p>
+            <a:pPr algn="ctr"/>
+            <a:endParaRPr lang="en-US"/>
+          </a:p>
+        </p:txBody>
+      </p:sp>
+      <p:sp>
+        <p:nvSpPr>
+          <p:cNvPr id="35" name="Freeform: Shape 34">
+            <a:extLst>
+              <a:ext uri="{FF2B5EF4-FFF2-40B4-BE49-F238E27FC236}">
+                <a16:creationId xmlns:a16="http://schemas.microsoft.com/office/drawing/2014/main" id="{FFD3887D-244B-4EC4-9208-E304984C5D0F}"/>
+              </a:ext>
+              <a:ext uri="{C183D7F6-B498-43B3-948B-1728B52AA6E4}">
+                <adec:decorative xmlns:adec="http://schemas.microsoft.com/office/drawing/2017/decorative" val="1"/>
+              </a:ext>
+            </a:extLst>
+          </p:cNvPr>
+          <p:cNvSpPr>
+            <a:spLocks noGrp="1" noRot="1" noChangeAspect="1" noMove="1" noResize="1" noEditPoints="1" noAdjustHandles="1" noChangeArrowheads="1" noChangeShapeType="1" noTextEdit="1"/>
+          </p:cNvSpPr>
+          <p:nvPr>
+            <p:extLst>
+              <p:ext uri="{386F3935-93C4-4BCD-93E2-E3B085C9AB24}">
+                <p16:designElem xmlns:p16="http://schemas.microsoft.com/office/powerpoint/2015/main" val="1"/>
+              </p:ext>
+            </p:extLst>
+          </p:nvPr>
+        </p:nvSpPr>
+        <p:spPr>
+          <a:xfrm>
+            <a:off x="9422467" y="4200769"/>
+            <a:ext cx="2769534" cy="2657232"/>
+          </a:xfrm>
+          <a:custGeom>
+            <a:avLst/>
+            <a:gdLst>
+              <a:gd name="connsiteX0" fmla="*/ 2473947 w 3432581"/>
+              <a:gd name="connsiteY0" fmla="*/ 0 h 3293393"/>
+              <a:gd name="connsiteX1" fmla="*/ 3209623 w 3432581"/>
+              <a:gd name="connsiteY1" fmla="*/ 111224 h 3293393"/>
+              <a:gd name="connsiteX2" fmla="*/ 3432581 w 3432581"/>
+              <a:gd name="connsiteY2" fmla="*/ 192828 h 3293393"/>
+              <a:gd name="connsiteX3" fmla="*/ 3432581 w 3432581"/>
+              <a:gd name="connsiteY3" fmla="*/ 3293393 h 3293393"/>
+              <a:gd name="connsiteX4" fmla="*/ 141884 w 3432581"/>
+              <a:gd name="connsiteY4" fmla="*/ 3293393 h 3293393"/>
+              <a:gd name="connsiteX5" fmla="*/ 111224 w 3432581"/>
+              <a:gd name="connsiteY5" fmla="*/ 3209623 h 3293393"/>
+              <a:gd name="connsiteX6" fmla="*/ 0 w 3432581"/>
+              <a:gd name="connsiteY6" fmla="*/ 2473947 h 3293393"/>
+              <a:gd name="connsiteX7" fmla="*/ 2473947 w 3432581"/>
+              <a:gd name="connsiteY7" fmla="*/ 0 h 3293393"/>
+            </a:gdLst>
+            <a:ahLst/>
+            <a:cxnLst>
+              <a:cxn ang="0">
+                <a:pos x="connsiteX0" y="connsiteY0"/>
+              </a:cxn>
+              <a:cxn ang="0">
+                <a:pos x="connsiteX1" y="connsiteY1"/>
+              </a:cxn>
+              <a:cxn ang="0">
+                <a:pos x="connsiteX2" y="connsiteY2"/>
+              </a:cxn>
+              <a:cxn ang="0">
+                <a:pos x="connsiteX3" y="connsiteY3"/>
+              </a:cxn>
+              <a:cxn ang="0">
+                <a:pos x="connsiteX4" y="connsiteY4"/>
+              </a:cxn>
+              <a:cxn ang="0">
+                <a:pos x="connsiteX5" y="connsiteY5"/>
+              </a:cxn>
+              <a:cxn ang="0">
+                <a:pos x="connsiteX6" y="connsiteY6"/>
+              </a:cxn>
+              <a:cxn ang="0">
+                <a:pos x="connsiteX7" y="connsiteY7"/>
+              </a:cxn>
+            </a:cxnLst>
+            <a:rect l="l" t="t" r="r" b="b"/>
+            <a:pathLst>
+              <a:path w="3432581" h="3293393">
+                <a:moveTo>
+                  <a:pt x="2473947" y="0"/>
+                </a:moveTo>
+                <a:cubicBezTo>
+                  <a:pt x="2730133" y="0"/>
+                  <a:pt x="2977223" y="38940"/>
+                  <a:pt x="3209623" y="111224"/>
+                </a:cubicBezTo>
+                <a:lnTo>
+                  <a:pt x="3432581" y="192828"/>
+                </a:lnTo>
+                <a:lnTo>
+                  <a:pt x="3432581" y="3293393"/>
+                </a:lnTo>
+                <a:lnTo>
+                  <a:pt x="141884" y="3293393"/>
+                </a:lnTo>
+                <a:lnTo>
+                  <a:pt x="111224" y="3209623"/>
+                </a:lnTo>
+                <a:cubicBezTo>
+                  <a:pt x="38940" y="2977224"/>
+                  <a:pt x="0" y="2730133"/>
+                  <a:pt x="0" y="2473947"/>
+                </a:cubicBezTo>
+                <a:cubicBezTo>
+                  <a:pt x="0" y="1107624"/>
+                  <a:pt x="1107624" y="0"/>
+                  <a:pt x="2473947" y="0"/>
+                </a:cubicBezTo>
+                <a:close/>
+              </a:path>
+            </a:pathLst>
+          </a:custGeom>
+          <a:solidFill>
+            <a:srgbClr val="FFFFFF"/>
+          </a:solidFill>
+          <a:ln w="28575">
+            <a:noFill/>
+          </a:ln>
+        </p:spPr>
+        <p:style>
+          <a:lnRef idx="2">
+            <a:schemeClr val="accent1">
+              <a:shade val="50000"/>
+            </a:schemeClr>
+          </a:lnRef>
+          <a:fillRef idx="1">
+            <a:schemeClr val="accent1"/>
+          </a:fillRef>
+          <a:effectRef idx="0">
+            <a:schemeClr val="accent1"/>
+          </a:effectRef>
+          <a:fontRef idx="minor">
+            <a:schemeClr val="lt1"/>
+          </a:fontRef>
+        </p:style>
+        <p:txBody>
+          <a:bodyPr rot="0" spcFirstLastPara="0" vertOverflow="overflow" horzOverflow="overflow" vert="horz" wrap="square" lIns="91440" tIns="45720" rIns="91440" bIns="45720" numCol="1" spcCol="0" rtlCol="0" fromWordArt="0" anchor="ctr" anchorCtr="0" forceAA="0" compatLnSpc="1">
+            <a:prstTxWarp prst="textNoShape">
+              <a:avLst/>
+            </a:prstTxWarp>
+            <a:noAutofit/>
+          </a:bodyPr>
+          <a:lstStyle/>
+          <a:p>
+            <a:pPr algn="ctr"/>
+            <a:endParaRPr lang="en-US" dirty="0"/>
+          </a:p>
+        </p:txBody>
+      </p:sp>
+      <p:sp>
+        <p:nvSpPr>
+          <p:cNvPr id="37" name="Freeform: Shape 36">
+            <a:extLst>
+              <a:ext uri="{FF2B5EF4-FFF2-40B4-BE49-F238E27FC236}">
+                <a16:creationId xmlns:a16="http://schemas.microsoft.com/office/drawing/2014/main" id="{97224C31-855E-4593-8A58-5B2B0CC4F537}"/>
+              </a:ext>
+              <a:ext uri="{C183D7F6-B498-43B3-948B-1728B52AA6E4}">
+                <adec:decorative xmlns:adec="http://schemas.microsoft.com/office/drawing/2017/decorative" val="1"/>
+              </a:ext>
+            </a:extLst>
+          </p:cNvPr>
+          <p:cNvSpPr>
+            <a:spLocks noGrp="1" noRot="1" noChangeAspect="1" noMove="1" noResize="1" noEditPoints="1" noAdjustHandles="1" noChangeArrowheads="1" noChangeShapeType="1" noTextEdit="1"/>
+          </p:cNvSpPr>
+          <p:nvPr>
+            <p:extLst>
+              <p:ext uri="{386F3935-93C4-4BCD-93E2-E3B085C9AB24}">
+                <p16:designElem xmlns:p16="http://schemas.microsoft.com/office/powerpoint/2015/main" val="1"/>
+              </p:ext>
+            </p:extLst>
+          </p:nvPr>
+        </p:nvSpPr>
+        <p:spPr>
+          <a:xfrm>
+            <a:off x="9422467" y="4200769"/>
+            <a:ext cx="2769534" cy="2657232"/>
+          </a:xfrm>
+          <a:custGeom>
+            <a:avLst/>
+            <a:gdLst>
+              <a:gd name="connsiteX0" fmla="*/ 2473947 w 3432581"/>
+              <a:gd name="connsiteY0" fmla="*/ 0 h 3293393"/>
+              <a:gd name="connsiteX1" fmla="*/ 3209623 w 3432581"/>
+              <a:gd name="connsiteY1" fmla="*/ 111224 h 3293393"/>
+              <a:gd name="connsiteX2" fmla="*/ 3432581 w 3432581"/>
+              <a:gd name="connsiteY2" fmla="*/ 192828 h 3293393"/>
+              <a:gd name="connsiteX3" fmla="*/ 3432581 w 3432581"/>
+              <a:gd name="connsiteY3" fmla="*/ 3293393 h 3293393"/>
+              <a:gd name="connsiteX4" fmla="*/ 141884 w 3432581"/>
+              <a:gd name="connsiteY4" fmla="*/ 3293393 h 3293393"/>
+              <a:gd name="connsiteX5" fmla="*/ 111224 w 3432581"/>
+              <a:gd name="connsiteY5" fmla="*/ 3209623 h 3293393"/>
+              <a:gd name="connsiteX6" fmla="*/ 0 w 3432581"/>
+              <a:gd name="connsiteY6" fmla="*/ 2473947 h 3293393"/>
+              <a:gd name="connsiteX7" fmla="*/ 2473947 w 3432581"/>
+              <a:gd name="connsiteY7" fmla="*/ 0 h 3293393"/>
+            </a:gdLst>
+            <a:ahLst/>
+            <a:cxnLst>
+              <a:cxn ang="0">
+                <a:pos x="connsiteX0" y="connsiteY0"/>
+              </a:cxn>
+              <a:cxn ang="0">
+                <a:pos x="connsiteX1" y="connsiteY1"/>
+              </a:cxn>
+              <a:cxn ang="0">
+                <a:pos x="connsiteX2" y="connsiteY2"/>
+              </a:cxn>
+              <a:cxn ang="0">
+                <a:pos x="connsiteX3" y="connsiteY3"/>
+              </a:cxn>
+              <a:cxn ang="0">
+                <a:pos x="connsiteX4" y="connsiteY4"/>
+              </a:cxn>
+              <a:cxn ang="0">
+                <a:pos x="connsiteX5" y="connsiteY5"/>
+              </a:cxn>
+              <a:cxn ang="0">
+                <a:pos x="connsiteX6" y="connsiteY6"/>
+              </a:cxn>
+              <a:cxn ang="0">
+                <a:pos x="connsiteX7" y="connsiteY7"/>
+              </a:cxn>
+            </a:cxnLst>
+            <a:rect l="l" t="t" r="r" b="b"/>
+            <a:pathLst>
+              <a:path w="3432581" h="3293393">
+                <a:moveTo>
+                  <a:pt x="2473947" y="0"/>
+                </a:moveTo>
+                <a:cubicBezTo>
+                  <a:pt x="2730133" y="0"/>
+                  <a:pt x="2977223" y="38940"/>
+                  <a:pt x="3209623" y="111224"/>
+                </a:cubicBezTo>
+                <a:lnTo>
+                  <a:pt x="3432581" y="192828"/>
+                </a:lnTo>
+                <a:lnTo>
+                  <a:pt x="3432581" y="3293393"/>
+                </a:lnTo>
+                <a:lnTo>
+                  <a:pt x="141884" y="3293393"/>
+                </a:lnTo>
+                <a:lnTo>
+                  <a:pt x="111224" y="3209623"/>
+                </a:lnTo>
+                <a:cubicBezTo>
+                  <a:pt x="38940" y="2977224"/>
+                  <a:pt x="0" y="2730133"/>
+                  <a:pt x="0" y="2473947"/>
+                </a:cubicBezTo>
+                <a:cubicBezTo>
+                  <a:pt x="0" y="1107624"/>
+                  <a:pt x="1107624" y="0"/>
+                  <a:pt x="2473947" y="0"/>
+                </a:cubicBezTo>
+                <a:close/>
+              </a:path>
+            </a:pathLst>
+          </a:custGeom>
+          <a:solidFill>
+            <a:schemeClr val="accent2">
+              <a:alpha val="30000"/>
+            </a:schemeClr>
+          </a:solidFill>
+          <a:ln w="28575">
+            <a:noFill/>
+          </a:ln>
+        </p:spPr>
+        <p:style>
+          <a:lnRef idx="2">
+            <a:schemeClr val="accent1">
+              <a:shade val="50000"/>
+            </a:schemeClr>
+          </a:lnRef>
+          <a:fillRef idx="1">
+            <a:schemeClr val="accent1"/>
+          </a:fillRef>
+          <a:effectRef idx="0">
+            <a:schemeClr val="accent1"/>
+          </a:effectRef>
+          <a:fontRef idx="minor">
+            <a:schemeClr val="lt1"/>
+          </a:fontRef>
+        </p:style>
+        <p:txBody>
+          <a:bodyPr rot="0" spcFirstLastPara="0" vertOverflow="overflow" horzOverflow="overflow" vert="horz" wrap="square" lIns="91440" tIns="45720" rIns="91440" bIns="45720" numCol="1" spcCol="0" rtlCol="0" fromWordArt="0" anchor="ctr" anchorCtr="0" forceAA="0" compatLnSpc="1">
+            <a:prstTxWarp prst="textNoShape">
+              <a:avLst/>
+            </a:prstTxWarp>
+            <a:noAutofit/>
+          </a:bodyPr>
+          <a:lstStyle/>
+          <a:p>
+            <a:pPr algn="ctr"/>
+            <a:endParaRPr lang="en-US" dirty="0"/>
+          </a:p>
+        </p:txBody>
+      </p:sp>
+    </p:spTree>
+    <p:extLst>
+      <p:ext uri="{BB962C8B-B14F-4D97-AF65-F5344CB8AC3E}">
+        <p14:creationId xmlns:p14="http://schemas.microsoft.com/office/powerpoint/2010/main" val="4242784195"/>
+      </p:ext>
+    </p:extLst>
+  </p:cSld>
+  <p:clrMapOvr>
+    <a:masterClrMapping/>
+  </p:clrMapOvr>
+  <p:timing>
+    <p:tnLst>
+      <p:par>
+        <p:cTn id="1" dur="indefinite" restart="never" nodeType="tmRoot">
+          <p:childTnLst>
+            <p:seq concurrent="1" nextAc="seek">
+              <p:cTn id="2" dur="indefinite" nodeType="mainSeq">
+                <p:childTnLst>
+                  <p:par>
+                    <p:cTn id="3" fill="hold">
+                      <p:stCondLst>
+                        <p:cond delay="indefinite"/>
+                        <p:cond evt="onBegin" delay="0">
+                          <p:tn val="2"/>
+                        </p:cond>
+                      </p:stCondLst>
+                      <p:childTnLst>
+                        <p:par>
+                          <p:cTn id="4" fill="hold">
+                            <p:stCondLst>
+                              <p:cond delay="0"/>
+                            </p:stCondLst>
+                            <p:childTnLst>
+                              <p:par>
+                                <p:cTn id="5" presetID="10" presetClass="entr" presetSubtype="0" fill="hold" grpId="0" nodeType="withEffect">
+                                  <p:stCondLst>
+                                    <p:cond delay="500"/>
+                                  </p:stCondLst>
+                                  <p:iterate>
+                                    <p:tmPct val="10000"/>
+                                  </p:iterate>
+                                  <p:childTnLst>
+                                    <p:set>
+                                      <p:cBhvr>
+                                        <p:cTn id="6" dur="1" fill="hold">
+                                          <p:stCondLst>
+                                            <p:cond delay="0"/>
+                                          </p:stCondLst>
+                                        </p:cTn>
+                                        <p:tgtEl>
+                                          <p:spTgt spid="2"/>
+                                        </p:tgtEl>
+                                        <p:attrNameLst>
+                                          <p:attrName>style.visibility</p:attrName>
+                                        </p:attrNameLst>
+                                      </p:cBhvr>
+                                      <p:to>
+                                        <p:strVal val="visible"/>
+                                      </p:to>
+                                    </p:set>
+                                    <p:animEffect transition="in" filter="fade">
+                                      <p:cBhvr>
+                                        <p:cTn id="7" dur="700"/>
+                                        <p:tgtEl>
+                                          <p:spTgt spid="2"/>
+                                        </p:tgtEl>
+                                      </p:cBhvr>
+                                    </p:animEffect>
+                                  </p:childTnLst>
+                                </p:cTn>
+                              </p:par>
+                            </p:childTnLst>
+                          </p:cTn>
+                        </p:par>
+                      </p:childTnLst>
+                    </p:cTn>
+                  </p:par>
+                </p:childTnLst>
+              </p:cTn>
+              <p:prevCondLst>
+                <p:cond evt="onPrev" delay="0">
+                  <p:tgtEl>
+                    <p:sldTgt/>
+                  </p:tgtEl>
+                </p:cond>
+              </p:prevCondLst>
+              <p:nextCondLst>
+                <p:cond evt="onNext" delay="0">
+                  <p:tgtEl>
+                    <p:sldTgt/>
+                  </p:tgtEl>
+                </p:cond>
+              </p:nextCondLst>
+            </p:seq>
+          </p:childTnLst>
+        </p:cTn>
+      </p:par>
+    </p:tnLst>
+    <p:bldLst>
+      <p:bldP spid="2" grpId="0"/>
+    </p:bldLst>
+  </p:timing>
 </p:sld>
 </file>
 
